--- a/Программа_Генерирующая_Музыку_ИП_Фрик_Евгений_2022.pptx
+++ b/Программа_Генерирующая_Музыку_ИП_Фрик_Евгений_2022.pptx
@@ -11,7 +11,10 @@
     <p:sldId id="258" r:id="rId5"/>
     <p:sldId id="259" r:id="rId6"/>
     <p:sldId id="260" r:id="rId7"/>
-    <p:sldId id="262" r:id="rId8"/>
+    <p:sldId id="264" r:id="rId8"/>
+    <p:sldId id="262" r:id="rId9"/>
+    <p:sldId id="265" r:id="rId10"/>
+    <p:sldId id="267" r:id="rId11"/>
   </p:sldIdLst>
   <p:sldSz cx="12192000" cy="6858000"/>
   <p:notesSz cx="6858000" cy="9144000"/>
@@ -893,10 +896,9 @@
         <a:lstStyle/>
         <a:p>
           <a:r>
-            <a:rPr lang="ru-RU" dirty="0" smtClean="0"/>
+            <a:rPr lang="ru-RU" dirty="0"/>
             <a:t>Ввод данных пользователем</a:t>
           </a:r>
-          <a:endParaRPr lang="ru-RU" dirty="0"/>
         </a:p>
       </dgm:t>
     </dgm:pt>
@@ -937,10 +939,9 @@
         <a:lstStyle/>
         <a:p>
           <a:r>
-            <a:rPr lang="ru-RU" dirty="0" smtClean="0"/>
+            <a:rPr lang="ru-RU" dirty="0"/>
             <a:t>Генерация случайных нот по введённым данным</a:t>
           </a:r>
-          <a:endParaRPr lang="ru-RU" dirty="0"/>
         </a:p>
       </dgm:t>
     </dgm:pt>
@@ -980,11 +981,11 @@
         <a:lstStyle/>
         <a:p>
           <a:r>
-            <a:rPr lang="ru-RU" dirty="0" smtClean="0"/>
+            <a:rPr lang="ru-RU" dirty="0"/>
             <a:t>Упаковка результата в формат</a:t>
           </a:r>
           <a:r>
-            <a:rPr lang="en-US" dirty="0" smtClean="0"/>
+            <a:rPr lang="en-US" dirty="0"/>
             <a:t> midi</a:t>
           </a:r>
           <a:endParaRPr lang="ru-RU" dirty="0"/>
@@ -1027,10 +1028,9 @@
         <a:lstStyle/>
         <a:p>
           <a:r>
-            <a:rPr lang="ru-RU" dirty="0" smtClean="0"/>
+            <a:rPr lang="ru-RU" dirty="0"/>
             <a:t>Готовый продукт - мелодия</a:t>
           </a:r>
-          <a:endParaRPr lang="ru-RU" dirty="0"/>
         </a:p>
       </dgm:t>
     </dgm:pt>
@@ -1064,16 +1064,17 @@
     </dgm:pt>
     <dgm:pt modelId="{C5CB5CB6-FA92-4EA3-8359-6BD0E142D040}">
       <dgm:prSet/>
-      <dgm:spPr/>
+      <dgm:spPr>
+        <a:noFill/>
+      </dgm:spPr>
       <dgm:t>
         <a:bodyPr/>
         <a:lstStyle/>
         <a:p>
           <a:r>
-            <a:rPr lang="ru-RU" dirty="0" smtClean="0"/>
+            <a:rPr lang="ru-RU" dirty="0"/>
             <a:t>Генерация на основе введённых данных по ритмическим рисункам</a:t>
           </a:r>
-          <a:endParaRPr lang="ru-RU" dirty="0"/>
         </a:p>
       </dgm:t>
     </dgm:pt>
@@ -1169,13 +1170,6 @@
         </dgm:presLayoutVars>
       </dgm:prSet>
       <dgm:spPr/>
-      <dgm:t>
-        <a:bodyPr/>
-        <a:lstStyle/>
-        <a:p>
-          <a:endParaRPr lang="ru-RU"/>
-        </a:p>
-      </dgm:t>
     </dgm:pt>
     <dgm:pt modelId="{BC57E8B2-1130-4F86-B271-70431A4FBDCB}" type="pres">
       <dgm:prSet presAssocID="{E82D1D72-2136-43EB-B080-CC689109033B}" presName="rootConnector" presStyleLbl="node2" presStyleIdx="0" presStyleCnt="2"/>
@@ -1208,13 +1202,6 @@
         </dgm:presLayoutVars>
       </dgm:prSet>
       <dgm:spPr/>
-      <dgm:t>
-        <a:bodyPr/>
-        <a:lstStyle/>
-        <a:p>
-          <a:endParaRPr lang="ru-RU"/>
-        </a:p>
-      </dgm:t>
     </dgm:pt>
     <dgm:pt modelId="{75E012F2-AF02-4E30-B7E6-F33352F70CCB}" type="pres">
       <dgm:prSet presAssocID="{A0953F00-2C97-480F-B9F3-82E713A03118}" presName="rootConnector" presStyleLbl="node3" presStyleIdx="0" presStyleCnt="1"/>
@@ -1241,19 +1228,12 @@
       <dgm:spPr/>
     </dgm:pt>
     <dgm:pt modelId="{E7A326A4-EBFE-4280-AB01-9FE0CE7B5F00}" type="pres">
-      <dgm:prSet presAssocID="{86BC2B14-54E3-4E57-AA07-BC513B0E68AB}" presName="rootText" presStyleLbl="node4" presStyleIdx="0" presStyleCnt="1" custLinFactNeighborX="55378" custLinFactNeighborY="5">
+      <dgm:prSet presAssocID="{86BC2B14-54E3-4E57-AA07-BC513B0E68AB}" presName="rootText" presStyleLbl="node4" presStyleIdx="0" presStyleCnt="1" custScaleX="100677" custLinFactNeighborX="55378" custLinFactNeighborY="5">
         <dgm:presLayoutVars>
           <dgm:chPref val="3"/>
         </dgm:presLayoutVars>
       </dgm:prSet>
       <dgm:spPr/>
-      <dgm:t>
-        <a:bodyPr/>
-        <a:lstStyle/>
-        <a:p>
-          <a:endParaRPr lang="ru-RU"/>
-        </a:p>
-      </dgm:t>
     </dgm:pt>
     <dgm:pt modelId="{C6DCD845-1924-4CA5-8F86-1CF58376FDD2}" type="pres">
       <dgm:prSet presAssocID="{86BC2B14-54E3-4E57-AA07-BC513B0E68AB}" presName="rootConnector" presStyleLbl="node4" presStyleIdx="0" presStyleCnt="1"/>
@@ -1275,11 +1255,11 @@
       <dgm:prSet presAssocID="{E82D1D72-2136-43EB-B080-CC689109033B}" presName="hierChild5" presStyleCnt="0"/>
       <dgm:spPr/>
     </dgm:pt>
-    <dgm:pt modelId="{DDE9B3AF-500F-40E7-AAC4-9C5AC5154E4D}" type="pres">
+    <dgm:pt modelId="{9BEF3587-7AD2-4872-89CD-17A8DDD506B4}" type="pres">
       <dgm:prSet presAssocID="{B9DE25A8-6E0B-48A3-AEFF-2935761CB37E}" presName="Name37" presStyleLbl="parChTrans1D2" presStyleIdx="1" presStyleCnt="2"/>
       <dgm:spPr/>
     </dgm:pt>
-    <dgm:pt modelId="{1E152FA5-648F-4712-96E7-46FBB1A79EB0}" type="pres">
+    <dgm:pt modelId="{CF5B240D-3B4D-478B-B7FE-EB9B4BDBAC62}" type="pres">
       <dgm:prSet presAssocID="{C5CB5CB6-FA92-4EA3-8359-6BD0E142D040}" presName="hierRoot2" presStyleCnt="0">
         <dgm:presLayoutVars>
           <dgm:hierBranch val="init"/>
@@ -1287,34 +1267,27 @@
       </dgm:prSet>
       <dgm:spPr/>
     </dgm:pt>
-    <dgm:pt modelId="{56AFE415-EEDA-49C9-825D-64933256BE3D}" type="pres">
+    <dgm:pt modelId="{D7DE56F1-FC33-424F-8688-D3857806BF2B}" type="pres">
       <dgm:prSet presAssocID="{C5CB5CB6-FA92-4EA3-8359-6BD0E142D040}" presName="rootComposite" presStyleCnt="0"/>
       <dgm:spPr/>
     </dgm:pt>
-    <dgm:pt modelId="{F7262729-F68E-44CF-9BEC-CDED4FCD55D3}" type="pres">
+    <dgm:pt modelId="{8C56442D-ADD4-4F22-BF0F-248A0D484422}" type="pres">
       <dgm:prSet presAssocID="{C5CB5CB6-FA92-4EA3-8359-6BD0E142D040}" presName="rootText" presStyleLbl="node2" presStyleIdx="1" presStyleCnt="2">
         <dgm:presLayoutVars>
           <dgm:chPref val="3"/>
         </dgm:presLayoutVars>
       </dgm:prSet>
       <dgm:spPr/>
-      <dgm:t>
-        <a:bodyPr/>
-        <a:lstStyle/>
-        <a:p>
-          <a:endParaRPr lang="ru-RU"/>
-        </a:p>
-      </dgm:t>
     </dgm:pt>
-    <dgm:pt modelId="{38DFB67C-4C43-4833-BCEE-AB408D62AAF7}" type="pres">
+    <dgm:pt modelId="{7E9439E0-3BE5-47E5-9F7A-2CD633341B71}" type="pres">
       <dgm:prSet presAssocID="{C5CB5CB6-FA92-4EA3-8359-6BD0E142D040}" presName="rootConnector" presStyleLbl="node2" presStyleIdx="1" presStyleCnt="2"/>
       <dgm:spPr/>
     </dgm:pt>
-    <dgm:pt modelId="{AB1D8C92-1201-4B9E-8053-34640B3B653E}" type="pres">
+    <dgm:pt modelId="{C2565A24-FF62-4B51-BDC7-F7E44884509B}" type="pres">
       <dgm:prSet presAssocID="{C5CB5CB6-FA92-4EA3-8359-6BD0E142D040}" presName="hierChild4" presStyleCnt="0"/>
       <dgm:spPr/>
     </dgm:pt>
-    <dgm:pt modelId="{22014445-C75F-4F8E-852A-4DF6E6A3A603}" type="pres">
+    <dgm:pt modelId="{A6256160-724D-427E-9DE9-2AFC8FEF2475}" type="pres">
       <dgm:prSet presAssocID="{C5CB5CB6-FA92-4EA3-8359-6BD0E142D040}" presName="hierChild5" presStyleCnt="0"/>
       <dgm:spPr/>
     </dgm:pt>
@@ -1324,26 +1297,26 @@
     </dgm:pt>
   </dgm:ptLst>
   <dgm:cxnLst>
+    <dgm:cxn modelId="{9EAE3303-2014-420F-85CF-A1CF47F3C3D6}" srcId="{E530755C-F8C5-451B-94D1-838A3EFB82ED}" destId="{E82D1D72-2136-43EB-B080-CC689109033B}" srcOrd="0" destOrd="0" parTransId="{E0C71FE1-54FB-442B-B0EC-C7E9F0D8710B}" sibTransId="{9C198756-7ED7-4179-8403-88C51D135BE2}"/>
+    <dgm:cxn modelId="{199E3E0C-76B4-4446-B333-5EE99C81674F}" srcId="{E530755C-F8C5-451B-94D1-838A3EFB82ED}" destId="{C5CB5CB6-FA92-4EA3-8359-6BD0E142D040}" srcOrd="1" destOrd="0" parTransId="{B9DE25A8-6E0B-48A3-AEFF-2935761CB37E}" sibTransId="{5E94A99D-30CE-4C18-A841-B693E622DF78}"/>
     <dgm:cxn modelId="{C83B0315-371C-458C-B621-4B23E0EC896F}" srcId="{A0953F00-2C97-480F-B9F3-82E713A03118}" destId="{86BC2B14-54E3-4E57-AA07-BC513B0E68AB}" srcOrd="0" destOrd="0" parTransId="{C7597C7A-1094-42AB-9BB4-361141926D9D}" sibTransId="{79DCD1D6-8694-4265-A1C9-CF93475BAF5A}"/>
+    <dgm:cxn modelId="{05629628-5CB6-464B-A50F-BC6853C124A9}" type="presOf" srcId="{A0953F00-2C97-480F-B9F3-82E713A03118}" destId="{C8BF42A5-6F38-4872-8CD5-DC3B0794203D}" srcOrd="0" destOrd="0" presId="urn:microsoft.com/office/officeart/2005/8/layout/orgChart1"/>
+    <dgm:cxn modelId="{F9B9B63F-63BF-4F81-86C1-1A379B1A82DD}" type="presOf" srcId="{86BC2B14-54E3-4E57-AA07-BC513B0E68AB}" destId="{E7A326A4-EBFE-4280-AB01-9FE0CE7B5F00}" srcOrd="0" destOrd="0" presId="urn:microsoft.com/office/officeart/2005/8/layout/orgChart1"/>
+    <dgm:cxn modelId="{03F00C5E-6B31-4658-BD06-B37DCA0985D9}" type="presOf" srcId="{C5CB5CB6-FA92-4EA3-8359-6BD0E142D040}" destId="{7E9439E0-3BE5-47E5-9F7A-2CD633341B71}" srcOrd="1" destOrd="0" presId="urn:microsoft.com/office/officeart/2005/8/layout/orgChart1"/>
+    <dgm:cxn modelId="{976A3472-311E-4FCD-82B4-2B0C17720FE4}" type="presOf" srcId="{E82D1D72-2136-43EB-B080-CC689109033B}" destId="{AB6B8F81-C331-4B05-A5D7-4AB06EDA2997}" srcOrd="0" destOrd="0" presId="urn:microsoft.com/office/officeart/2005/8/layout/orgChart1"/>
+    <dgm:cxn modelId="{E7C49B75-6240-4CDF-95ED-1E337D24800A}" type="presOf" srcId="{E530755C-F8C5-451B-94D1-838A3EFB82ED}" destId="{754692A1-8A79-47CC-BCEB-B3316F60A750}" srcOrd="1" destOrd="0" presId="urn:microsoft.com/office/officeart/2005/8/layout/orgChart1"/>
+    <dgm:cxn modelId="{5DCA1379-1DF5-48A1-A7D9-0322619AE265}" type="presOf" srcId="{42658B57-7EA0-4A1E-B7C5-8E60CD371FE2}" destId="{D5688639-6DE1-4177-A0E2-DE3AB3EF0CB4}" srcOrd="0" destOrd="0" presId="urn:microsoft.com/office/officeart/2005/8/layout/orgChart1"/>
+    <dgm:cxn modelId="{4DB1DC7C-8B91-4B4E-AFF5-C99315B6EDEB}" type="presOf" srcId="{42CCAA38-45E0-439A-8523-4F0297EDA8C3}" destId="{FB031DC4-8F37-4EF7-8C7C-6E012018C130}" srcOrd="0" destOrd="0" presId="urn:microsoft.com/office/officeart/2005/8/layout/orgChart1"/>
+    <dgm:cxn modelId="{DC704293-2C7B-4125-8000-0F1FF7F611C0}" type="presOf" srcId="{A0953F00-2C97-480F-B9F3-82E713A03118}" destId="{75E012F2-AF02-4E30-B7E6-F33352F70CCB}" srcOrd="1" destOrd="0" presId="urn:microsoft.com/office/officeart/2005/8/layout/orgChart1"/>
+    <dgm:cxn modelId="{4AC85E9B-1411-49FF-AF72-0A078F312B50}" type="presOf" srcId="{B9DE25A8-6E0B-48A3-AEFF-2935761CB37E}" destId="{9BEF3587-7AD2-4872-89CD-17A8DDD506B4}" srcOrd="0" destOrd="0" presId="urn:microsoft.com/office/officeart/2005/8/layout/orgChart1"/>
+    <dgm:cxn modelId="{2F1170A3-A250-46F5-A15C-613B4668C3CA}" type="presOf" srcId="{C7597C7A-1094-42AB-9BB4-361141926D9D}" destId="{781B4664-59CD-41BB-98CF-028FAEC0EBBD}" srcOrd="0" destOrd="0" presId="urn:microsoft.com/office/officeart/2005/8/layout/orgChart1"/>
     <dgm:cxn modelId="{27DB97A5-7B5A-45E2-A4B0-C70B050F2066}" type="presOf" srcId="{E0C71FE1-54FB-442B-B0EC-C7E9F0D8710B}" destId="{7EE7B894-EA1C-4C6F-93BE-A0F6E80E5F6B}" srcOrd="0" destOrd="0" presId="urn:microsoft.com/office/officeart/2005/8/layout/orgChart1"/>
-    <dgm:cxn modelId="{3145C6EE-6BD2-41D3-9C24-796923EAEBBF}" type="presOf" srcId="{B9DE25A8-6E0B-48A3-AEFF-2935761CB37E}" destId="{DDE9B3AF-500F-40E7-AAC4-9C5AC5154E4D}" srcOrd="0" destOrd="0" presId="urn:microsoft.com/office/officeart/2005/8/layout/orgChart1"/>
-    <dgm:cxn modelId="{6D55B35A-B880-4FC3-9F14-26AC3F51AE7F}" type="presOf" srcId="{C5CB5CB6-FA92-4EA3-8359-6BD0E142D040}" destId="{F7262729-F68E-44CF-9BEC-CDED4FCD55D3}" srcOrd="0" destOrd="0" presId="urn:microsoft.com/office/officeart/2005/8/layout/orgChart1"/>
-    <dgm:cxn modelId="{2F1170A3-A250-46F5-A15C-613B4668C3CA}" type="presOf" srcId="{C7597C7A-1094-42AB-9BB4-361141926D9D}" destId="{781B4664-59CD-41BB-98CF-028FAEC0EBBD}" srcOrd="0" destOrd="0" presId="urn:microsoft.com/office/officeart/2005/8/layout/orgChart1"/>
-    <dgm:cxn modelId="{9EAE3303-2014-420F-85CF-A1CF47F3C3D6}" srcId="{E530755C-F8C5-451B-94D1-838A3EFB82ED}" destId="{E82D1D72-2136-43EB-B080-CC689109033B}" srcOrd="0" destOrd="0" parTransId="{E0C71FE1-54FB-442B-B0EC-C7E9F0D8710B}" sibTransId="{9C198756-7ED7-4179-8403-88C51D135BE2}"/>
+    <dgm:cxn modelId="{055E13BB-C848-4BD6-B8F4-623EED8EC995}" srcId="{E82D1D72-2136-43EB-B080-CC689109033B}" destId="{A0953F00-2C97-480F-B9F3-82E713A03118}" srcOrd="0" destOrd="0" parTransId="{42658B57-7EA0-4A1E-B7C5-8E60CD371FE2}" sibTransId="{1F2501FE-2517-469D-9C7D-2432AEA237F7}"/>
+    <dgm:cxn modelId="{2969ADBE-3917-4AC7-8B86-FEB978A0A6F0}" type="presOf" srcId="{C5CB5CB6-FA92-4EA3-8359-6BD0E142D040}" destId="{8C56442D-ADD4-4F22-BF0F-248A0D484422}" srcOrd="0" destOrd="0" presId="urn:microsoft.com/office/officeart/2005/8/layout/orgChart1"/>
+    <dgm:cxn modelId="{6E2216CB-67DB-47EC-BBE7-7707AF37B537}" srcId="{42CCAA38-45E0-439A-8523-4F0297EDA8C3}" destId="{E530755C-F8C5-451B-94D1-838A3EFB82ED}" srcOrd="0" destOrd="0" parTransId="{2C168BC5-42BC-44BD-9E17-387E201D252B}" sibTransId="{5036ABE4-6719-457E-9D1F-9DA6620A2BA6}"/>
+    <dgm:cxn modelId="{5D4DE0D5-4038-4AFA-B844-C9606E1BDF38}" type="presOf" srcId="{E82D1D72-2136-43EB-B080-CC689109033B}" destId="{BC57E8B2-1130-4F86-B271-70431A4FBDCB}" srcOrd="1" destOrd="0" presId="urn:microsoft.com/office/officeart/2005/8/layout/orgChart1"/>
     <dgm:cxn modelId="{3201F9E0-6FC6-4A8C-BA82-E3403D24CC5A}" type="presOf" srcId="{E530755C-F8C5-451B-94D1-838A3EFB82ED}" destId="{4640C3CC-6134-4A02-A9A8-FBDA27E67846}" srcOrd="0" destOrd="0" presId="urn:microsoft.com/office/officeart/2005/8/layout/orgChart1"/>
     <dgm:cxn modelId="{D58131E6-339D-4FED-9ADF-C8D7E18DFBEA}" type="presOf" srcId="{86BC2B14-54E3-4E57-AA07-BC513B0E68AB}" destId="{C6DCD845-1924-4CA5-8F86-1CF58376FDD2}" srcOrd="1" destOrd="0" presId="urn:microsoft.com/office/officeart/2005/8/layout/orgChart1"/>
-    <dgm:cxn modelId="{E7C49B75-6240-4CDF-95ED-1E337D24800A}" type="presOf" srcId="{E530755C-F8C5-451B-94D1-838A3EFB82ED}" destId="{754692A1-8A79-47CC-BCEB-B3316F60A750}" srcOrd="1" destOrd="0" presId="urn:microsoft.com/office/officeart/2005/8/layout/orgChart1"/>
-    <dgm:cxn modelId="{05629628-5CB6-464B-A50F-BC6853C124A9}" type="presOf" srcId="{A0953F00-2C97-480F-B9F3-82E713A03118}" destId="{C8BF42A5-6F38-4872-8CD5-DC3B0794203D}" srcOrd="0" destOrd="0" presId="urn:microsoft.com/office/officeart/2005/8/layout/orgChart1"/>
-    <dgm:cxn modelId="{DC704293-2C7B-4125-8000-0F1FF7F611C0}" type="presOf" srcId="{A0953F00-2C97-480F-B9F3-82E713A03118}" destId="{75E012F2-AF02-4E30-B7E6-F33352F70CCB}" srcOrd="1" destOrd="0" presId="urn:microsoft.com/office/officeart/2005/8/layout/orgChart1"/>
-    <dgm:cxn modelId="{976A3472-311E-4FCD-82B4-2B0C17720FE4}" type="presOf" srcId="{E82D1D72-2136-43EB-B080-CC689109033B}" destId="{AB6B8F81-C331-4B05-A5D7-4AB06EDA2997}" srcOrd="0" destOrd="0" presId="urn:microsoft.com/office/officeart/2005/8/layout/orgChart1"/>
-    <dgm:cxn modelId="{055E13BB-C848-4BD6-B8F4-623EED8EC995}" srcId="{E82D1D72-2136-43EB-B080-CC689109033B}" destId="{A0953F00-2C97-480F-B9F3-82E713A03118}" srcOrd="0" destOrd="0" parTransId="{42658B57-7EA0-4A1E-B7C5-8E60CD371FE2}" sibTransId="{1F2501FE-2517-469D-9C7D-2432AEA237F7}"/>
-    <dgm:cxn modelId="{199E3E0C-76B4-4446-B333-5EE99C81674F}" srcId="{E530755C-F8C5-451B-94D1-838A3EFB82ED}" destId="{C5CB5CB6-FA92-4EA3-8359-6BD0E142D040}" srcOrd="1" destOrd="0" parTransId="{B9DE25A8-6E0B-48A3-AEFF-2935761CB37E}" sibTransId="{5E94A99D-30CE-4C18-A841-B693E622DF78}"/>
-    <dgm:cxn modelId="{4DB1DC7C-8B91-4B4E-AFF5-C99315B6EDEB}" type="presOf" srcId="{42CCAA38-45E0-439A-8523-4F0297EDA8C3}" destId="{FB031DC4-8F37-4EF7-8C7C-6E012018C130}" srcOrd="0" destOrd="0" presId="urn:microsoft.com/office/officeart/2005/8/layout/orgChart1"/>
-    <dgm:cxn modelId="{5DCA1379-1DF5-48A1-A7D9-0322619AE265}" type="presOf" srcId="{42658B57-7EA0-4A1E-B7C5-8E60CD371FE2}" destId="{D5688639-6DE1-4177-A0E2-DE3AB3EF0CB4}" srcOrd="0" destOrd="0" presId="urn:microsoft.com/office/officeart/2005/8/layout/orgChart1"/>
-    <dgm:cxn modelId="{6E2216CB-67DB-47EC-BBE7-7707AF37B537}" srcId="{42CCAA38-45E0-439A-8523-4F0297EDA8C3}" destId="{E530755C-F8C5-451B-94D1-838A3EFB82ED}" srcOrd="0" destOrd="0" parTransId="{2C168BC5-42BC-44BD-9E17-387E201D252B}" sibTransId="{5036ABE4-6719-457E-9D1F-9DA6620A2BA6}"/>
-    <dgm:cxn modelId="{F9B9B63F-63BF-4F81-86C1-1A379B1A82DD}" type="presOf" srcId="{86BC2B14-54E3-4E57-AA07-BC513B0E68AB}" destId="{E7A326A4-EBFE-4280-AB01-9FE0CE7B5F00}" srcOrd="0" destOrd="0" presId="urn:microsoft.com/office/officeart/2005/8/layout/orgChart1"/>
-    <dgm:cxn modelId="{17579709-F1A6-4E89-A411-A1AC672973DF}" type="presOf" srcId="{C5CB5CB6-FA92-4EA3-8359-6BD0E142D040}" destId="{38DFB67C-4C43-4833-BCEE-AB408D62AAF7}" srcOrd="1" destOrd="0" presId="urn:microsoft.com/office/officeart/2005/8/layout/orgChart1"/>
-    <dgm:cxn modelId="{5D4DE0D5-4038-4AFA-B844-C9606E1BDF38}" type="presOf" srcId="{E82D1D72-2136-43EB-B080-CC689109033B}" destId="{BC57E8B2-1130-4F86-B271-70431A4FBDCB}" srcOrd="1" destOrd="0" presId="urn:microsoft.com/office/officeart/2005/8/layout/orgChart1"/>
     <dgm:cxn modelId="{A3254CC3-0EC5-4D24-9EEC-F9AAD7461E9E}" type="presParOf" srcId="{FB031DC4-8F37-4EF7-8C7C-6E012018C130}" destId="{695ED432-3918-403F-B2B9-D0A0F70D0468}" srcOrd="0" destOrd="0" presId="urn:microsoft.com/office/officeart/2005/8/layout/orgChart1"/>
     <dgm:cxn modelId="{79AA6D00-5A03-4912-A368-150910952EC1}" type="presParOf" srcId="{695ED432-3918-403F-B2B9-D0A0F70D0468}" destId="{6FB30A8B-0CC6-40FB-B566-834FB69F6D21}" srcOrd="0" destOrd="0" presId="urn:microsoft.com/office/officeart/2005/8/layout/orgChart1"/>
     <dgm:cxn modelId="{55A83EE7-90E2-4B29-AB53-4FA7B0DE8158}" type="presParOf" srcId="{6FB30A8B-0CC6-40FB-B566-834FB69F6D21}" destId="{4640C3CC-6134-4A02-A9A8-FBDA27E67846}" srcOrd="0" destOrd="0" presId="urn:microsoft.com/office/officeart/2005/8/layout/orgChart1"/>
@@ -1370,13 +1343,13 @@
     <dgm:cxn modelId="{348968F4-38EA-4FEB-93D1-6CB154456A56}" type="presParOf" srcId="{4C5275FB-EC49-42F5-BD02-BB789E352620}" destId="{02507C4F-0564-42A8-82B3-08F5887B28BB}" srcOrd="2" destOrd="0" presId="urn:microsoft.com/office/officeart/2005/8/layout/orgChart1"/>
     <dgm:cxn modelId="{12F1B49F-9BE4-4050-85F1-A7F6B2C484C7}" type="presParOf" srcId="{91917C46-5E8A-41F6-AE74-D9572CC1B4C3}" destId="{4AFF8BAF-A2EE-4D08-8E22-0783BDD05707}" srcOrd="2" destOrd="0" presId="urn:microsoft.com/office/officeart/2005/8/layout/orgChart1"/>
     <dgm:cxn modelId="{FEF0BFB2-C581-4D12-8DA6-EB06ABCA9B30}" type="presParOf" srcId="{470EAD3F-D222-420F-BAA0-C63FD1853F2A}" destId="{042225BA-2D7B-4296-9C82-2AE57B91053A}" srcOrd="2" destOrd="0" presId="urn:microsoft.com/office/officeart/2005/8/layout/orgChart1"/>
-    <dgm:cxn modelId="{0567C63C-A86E-4B8A-8825-D5E9052E4F43}" type="presParOf" srcId="{FE9F6097-3A13-4EC2-98F2-B363647CE42B}" destId="{DDE9B3AF-500F-40E7-AAC4-9C5AC5154E4D}" srcOrd="2" destOrd="0" presId="urn:microsoft.com/office/officeart/2005/8/layout/orgChart1"/>
-    <dgm:cxn modelId="{B0FED3C7-03D4-47B0-B7CF-53A647E53AF0}" type="presParOf" srcId="{FE9F6097-3A13-4EC2-98F2-B363647CE42B}" destId="{1E152FA5-648F-4712-96E7-46FBB1A79EB0}" srcOrd="3" destOrd="0" presId="urn:microsoft.com/office/officeart/2005/8/layout/orgChart1"/>
-    <dgm:cxn modelId="{452B3F09-1E80-40B1-9CB7-4066DD0729E7}" type="presParOf" srcId="{1E152FA5-648F-4712-96E7-46FBB1A79EB0}" destId="{56AFE415-EEDA-49C9-825D-64933256BE3D}" srcOrd="0" destOrd="0" presId="urn:microsoft.com/office/officeart/2005/8/layout/orgChart1"/>
-    <dgm:cxn modelId="{05551245-F2CE-4B6F-A409-49EF9CF25C6B}" type="presParOf" srcId="{56AFE415-EEDA-49C9-825D-64933256BE3D}" destId="{F7262729-F68E-44CF-9BEC-CDED4FCD55D3}" srcOrd="0" destOrd="0" presId="urn:microsoft.com/office/officeart/2005/8/layout/orgChart1"/>
-    <dgm:cxn modelId="{2DDFC76B-E915-401F-AE9A-7886AA03051D}" type="presParOf" srcId="{56AFE415-EEDA-49C9-825D-64933256BE3D}" destId="{38DFB67C-4C43-4833-BCEE-AB408D62AAF7}" srcOrd="1" destOrd="0" presId="urn:microsoft.com/office/officeart/2005/8/layout/orgChart1"/>
-    <dgm:cxn modelId="{832A0418-112C-4C34-A49A-433035555CEA}" type="presParOf" srcId="{1E152FA5-648F-4712-96E7-46FBB1A79EB0}" destId="{AB1D8C92-1201-4B9E-8053-34640B3B653E}" srcOrd="1" destOrd="0" presId="urn:microsoft.com/office/officeart/2005/8/layout/orgChart1"/>
-    <dgm:cxn modelId="{F33E9BB7-DCF8-47AB-B51A-C790F7C57FE4}" type="presParOf" srcId="{1E152FA5-648F-4712-96E7-46FBB1A79EB0}" destId="{22014445-C75F-4F8E-852A-4DF6E6A3A603}" srcOrd="2" destOrd="0" presId="urn:microsoft.com/office/officeart/2005/8/layout/orgChart1"/>
+    <dgm:cxn modelId="{9A3C9D3D-B342-408A-9DD7-0EAE134234A8}" type="presParOf" srcId="{FE9F6097-3A13-4EC2-98F2-B363647CE42B}" destId="{9BEF3587-7AD2-4872-89CD-17A8DDD506B4}" srcOrd="2" destOrd="0" presId="urn:microsoft.com/office/officeart/2005/8/layout/orgChart1"/>
+    <dgm:cxn modelId="{9F8481AE-02E7-4E6E-823F-58D678EC0A53}" type="presParOf" srcId="{FE9F6097-3A13-4EC2-98F2-B363647CE42B}" destId="{CF5B240D-3B4D-478B-B7FE-EB9B4BDBAC62}" srcOrd="3" destOrd="0" presId="urn:microsoft.com/office/officeart/2005/8/layout/orgChart1"/>
+    <dgm:cxn modelId="{EF23AC16-9CB9-4DF3-BF70-7779DFD21060}" type="presParOf" srcId="{CF5B240D-3B4D-478B-B7FE-EB9B4BDBAC62}" destId="{D7DE56F1-FC33-424F-8688-D3857806BF2B}" srcOrd="0" destOrd="0" presId="urn:microsoft.com/office/officeart/2005/8/layout/orgChart1"/>
+    <dgm:cxn modelId="{48BD0468-61AD-432B-B698-D405BC54C8EB}" type="presParOf" srcId="{D7DE56F1-FC33-424F-8688-D3857806BF2B}" destId="{8C56442D-ADD4-4F22-BF0F-248A0D484422}" srcOrd="0" destOrd="0" presId="urn:microsoft.com/office/officeart/2005/8/layout/orgChart1"/>
+    <dgm:cxn modelId="{B8B898D5-3A7E-4265-96B7-78D5A7A1B2DF}" type="presParOf" srcId="{D7DE56F1-FC33-424F-8688-D3857806BF2B}" destId="{7E9439E0-3BE5-47E5-9F7A-2CD633341B71}" srcOrd="1" destOrd="0" presId="urn:microsoft.com/office/officeart/2005/8/layout/orgChart1"/>
+    <dgm:cxn modelId="{708C923B-E72F-4057-95E3-FC46B6E8BAA3}" type="presParOf" srcId="{CF5B240D-3B4D-478B-B7FE-EB9B4BDBAC62}" destId="{C2565A24-FF62-4B51-BDC7-F7E44884509B}" srcOrd="1" destOrd="0" presId="urn:microsoft.com/office/officeart/2005/8/layout/orgChart1"/>
+    <dgm:cxn modelId="{8191E81D-D026-41A8-BD66-F16BBF98185F}" type="presParOf" srcId="{CF5B240D-3B4D-478B-B7FE-EB9B4BDBAC62}" destId="{A6256160-724D-427E-9DE9-2AFC8FEF2475}" srcOrd="2" destOrd="0" presId="urn:microsoft.com/office/officeart/2005/8/layout/orgChart1"/>
     <dgm:cxn modelId="{FFDC602B-FB69-4D22-B708-49AA5E1C0BFE}" type="presParOf" srcId="{695ED432-3918-403F-B2B9-D0A0F70D0468}" destId="{937F4C36-E673-48B0-AA7A-7215E15D8EF2}" srcOrd="2" destOrd="0" presId="urn:microsoft.com/office/officeart/2005/8/layout/orgChart1"/>
   </dgm:cxnLst>
   <dgm:bg/>
@@ -1397,7 +1370,7 @@
       <dsp:cNvGrpSpPr/>
     </dsp:nvGrpSpPr>
     <dsp:grpSpPr/>
-    <dsp:sp modelId="{DDE9B3AF-500F-40E7-AAC4-9C5AC5154E4D}">
+    <dsp:sp modelId="{9BEF3587-7AD2-4872-89CD-17A8DDD506B4}">
       <dsp:nvSpPr>
         <dsp:cNvPr id="0" name=""/>
         <dsp:cNvSpPr/>
@@ -1661,7 +1634,7 @@
         </a:bodyPr>
         <a:lstStyle/>
         <a:p>
-          <a:pPr lvl="0" algn="ctr" defTabSz="622300">
+          <a:pPr marL="0" lvl="0" indent="0" algn="ctr" defTabSz="622300">
             <a:lnSpc>
               <a:spcPct val="90000"/>
             </a:lnSpc>
@@ -1671,12 +1644,12 @@
             <a:spcAft>
               <a:spcPct val="35000"/>
             </a:spcAft>
+            <a:buNone/>
           </a:pPr>
           <a:r>
-            <a:rPr lang="ru-RU" sz="1400" kern="1200" dirty="0" smtClean="0"/>
+            <a:rPr lang="ru-RU" sz="1400" kern="1200" dirty="0"/>
             <a:t>Ввод данных пользователем</a:t>
           </a:r>
-          <a:endParaRPr lang="ru-RU" sz="1400" kern="1200" dirty="0"/>
         </a:p>
       </dsp:txBody>
       <dsp:txXfrm>
@@ -1726,7 +1699,7 @@
         </a:bodyPr>
         <a:lstStyle/>
         <a:p>
-          <a:pPr lvl="0" algn="ctr" defTabSz="622300">
+          <a:pPr marL="0" lvl="0" indent="0" algn="ctr" defTabSz="622300">
             <a:lnSpc>
               <a:spcPct val="90000"/>
             </a:lnSpc>
@@ -1736,12 +1709,12 @@
             <a:spcAft>
               <a:spcPct val="35000"/>
             </a:spcAft>
+            <a:buNone/>
           </a:pPr>
           <a:r>
-            <a:rPr lang="ru-RU" sz="1400" kern="1200" dirty="0" smtClean="0"/>
+            <a:rPr lang="ru-RU" sz="1400" kern="1200" dirty="0"/>
             <a:t>Генерация случайных нот по введённым данным</a:t>
           </a:r>
-          <a:endParaRPr lang="ru-RU" sz="1400" kern="1200" dirty="0"/>
         </a:p>
       </dsp:txBody>
       <dsp:txXfrm>
@@ -1803,7 +1776,7 @@
         </a:bodyPr>
         <a:lstStyle/>
         <a:p>
-          <a:pPr lvl="0" algn="ctr" defTabSz="622300">
+          <a:pPr marL="0" lvl="0" indent="0" algn="ctr" defTabSz="622300">
             <a:lnSpc>
               <a:spcPct val="90000"/>
             </a:lnSpc>
@@ -1813,13 +1786,14 @@
             <a:spcAft>
               <a:spcPct val="35000"/>
             </a:spcAft>
+            <a:buNone/>
           </a:pPr>
           <a:r>
-            <a:rPr lang="ru-RU" sz="1400" kern="1200" dirty="0" smtClean="0"/>
+            <a:rPr lang="ru-RU" sz="1400" kern="1200" dirty="0"/>
             <a:t>Упаковка результата в формат</a:t>
           </a:r>
           <a:r>
-            <a:rPr lang="en-US" sz="1400" kern="1200" dirty="0" smtClean="0"/>
+            <a:rPr lang="en-US" sz="1400" kern="1200" dirty="0"/>
             <a:t> midi</a:t>
           </a:r>
           <a:endParaRPr lang="ru-RU" sz="1400" kern="1200" dirty="0"/>
@@ -1838,7 +1812,7 @@
       <dsp:spPr>
         <a:xfrm>
           <a:off x="2629656" y="3830218"/>
-          <a:ext cx="1798182" cy="899091"/>
+          <a:ext cx="1810356" cy="899091"/>
         </a:xfrm>
         <a:prstGeom prst="rect">
           <a:avLst/>
@@ -1884,7 +1858,7 @@
         </a:bodyPr>
         <a:lstStyle/>
         <a:p>
-          <a:pPr lvl="0" algn="ctr" defTabSz="622300">
+          <a:pPr marL="0" lvl="0" indent="0" algn="ctr" defTabSz="622300">
             <a:lnSpc>
               <a:spcPct val="90000"/>
             </a:lnSpc>
@@ -1894,20 +1868,20 @@
             <a:spcAft>
               <a:spcPct val="35000"/>
             </a:spcAft>
+            <a:buNone/>
           </a:pPr>
           <a:r>
-            <a:rPr lang="ru-RU" sz="1400" kern="1200" dirty="0" smtClean="0"/>
+            <a:rPr lang="ru-RU" sz="1400" kern="1200" dirty="0"/>
             <a:t>Готовый продукт - мелодия</a:t>
           </a:r>
-          <a:endParaRPr lang="ru-RU" sz="1400" kern="1200" dirty="0"/>
         </a:p>
       </dsp:txBody>
       <dsp:txXfrm>
         <a:off x="2629656" y="3830218"/>
-        <a:ext cx="1798182" cy="899091"/>
+        <a:ext cx="1810356" cy="899091"/>
       </dsp:txXfrm>
     </dsp:sp>
-    <dsp:sp modelId="{F7262729-F68E-44CF-9BEC-CDED4FCD55D3}">
+    <dsp:sp modelId="{8C56442D-ADD4-4F22-BF0F-248A0D484422}">
       <dsp:nvSpPr>
         <dsp:cNvPr id="0" name=""/>
         <dsp:cNvSpPr/>
@@ -1920,14 +1894,7 @@
         <a:prstGeom prst="rect">
           <a:avLst/>
         </a:prstGeom>
-        <a:solidFill>
-          <a:schemeClr val="dk2">
-            <a:hueOff val="0"/>
-            <a:satOff val="0"/>
-            <a:lumOff val="0"/>
-            <a:alphaOff val="0"/>
-          </a:schemeClr>
-        </a:solidFill>
+        <a:noFill/>
         <a:ln w="15875" cap="rnd" cmpd="sng" algn="ctr">
           <a:solidFill>
             <a:schemeClr val="lt2">
@@ -1961,7 +1928,7 @@
         </a:bodyPr>
         <a:lstStyle/>
         <a:p>
-          <a:pPr lvl="0" algn="ctr" defTabSz="622300">
+          <a:pPr marL="0" lvl="0" indent="0" algn="ctr" defTabSz="622300">
             <a:lnSpc>
               <a:spcPct val="90000"/>
             </a:lnSpc>
@@ -1971,12 +1938,12 @@
             <a:spcAft>
               <a:spcPct val="35000"/>
             </a:spcAft>
+            <a:buNone/>
           </a:pPr>
           <a:r>
-            <a:rPr lang="ru-RU" sz="1400" kern="1200" dirty="0" smtClean="0"/>
+            <a:rPr lang="ru-RU" sz="1400" kern="1200" dirty="0"/>
             <a:t>Генерация на основе введённых данных по ритмическим рисункам</a:t>
           </a:r>
-          <a:endParaRPr lang="ru-RU" sz="1400" kern="1200" dirty="0"/>
         </a:p>
       </dsp:txBody>
       <dsp:txXfrm>
@@ -10215,7 +10182,7 @@
           <a:p>
             <a:pPr algn="ctr"/>
             <a:r>
-              <a:rPr lang="ru-RU" sz="2400" dirty="0">
+              <a:rPr lang="ru-RU" sz="3200" dirty="0">
                 <a:latin typeface="Times New Roman" panose="02020603050405020304" pitchFamily="18" charset="0"/>
                 <a:cs typeface="Times New Roman" panose="02020603050405020304" pitchFamily="18" charset="0"/>
               </a:rPr>
@@ -10309,6 +10276,86 @@
     <p:extLst>
       <p:ext uri="{BB962C8B-B14F-4D97-AF65-F5344CB8AC3E}">
         <p14:creationId xmlns:p14="http://schemas.microsoft.com/office/powerpoint/2010/main" val="1425165426"/>
+      </p:ext>
+    </p:extLst>
+  </p:cSld>
+  <p:clrMapOvr>
+    <a:masterClrMapping/>
+  </p:clrMapOvr>
+</p:sld>
+</file>
+
+<file path=ppt/slides/slide10.xml><?xml version="1.0" encoding="utf-8"?>
+<p:sld xmlns:a="http://schemas.openxmlformats.org/drawingml/2006/main" xmlns:r="http://schemas.openxmlformats.org/officeDocument/2006/relationships" xmlns:p="http://schemas.openxmlformats.org/presentationml/2006/main">
+  <p:cSld>
+    <p:spTree>
+      <p:nvGrpSpPr>
+        <p:cNvPr id="1" name=""/>
+        <p:cNvGrpSpPr/>
+        <p:nvPr/>
+      </p:nvGrpSpPr>
+      <p:grpSpPr>
+        <a:xfrm>
+          <a:off x="0" y="0"/>
+          <a:ext cx="0" cy="0"/>
+          <a:chOff x="0" y="0"/>
+          <a:chExt cx="0" cy="0"/>
+        </a:xfrm>
+      </p:grpSpPr>
+      <p:sp>
+        <p:nvSpPr>
+          <p:cNvPr id="2" name="Title 1">
+            <a:extLst>
+              <a:ext uri="{FF2B5EF4-FFF2-40B4-BE49-F238E27FC236}">
+                <a16:creationId xmlns:a16="http://schemas.microsoft.com/office/drawing/2014/main" id="{EADA57F4-0869-4202-A3CE-DC40AE80E829}"/>
+              </a:ext>
+            </a:extLst>
+          </p:cNvPr>
+          <p:cNvSpPr>
+            <a:spLocks noGrp="1"/>
+          </p:cNvSpPr>
+          <p:nvPr>
+            <p:ph type="title"/>
+          </p:nvPr>
+        </p:nvSpPr>
+        <p:spPr>
+          <a:xfrm>
+            <a:off x="919119" y="2943775"/>
+            <a:ext cx="10353762" cy="970450"/>
+          </a:xfrm>
+        </p:spPr>
+        <p:txBody>
+          <a:bodyPr>
+            <a:noAutofit/>
+          </a:bodyPr>
+          <a:lstStyle/>
+          <a:p>
+            <a:r>
+              <a:rPr lang="ru-RU" sz="6000" dirty="0">
+                <a:solidFill>
+                  <a:schemeClr val="accent6">
+                    <a:lumMod val="40000"/>
+                    <a:lumOff val="60000"/>
+                  </a:schemeClr>
+                </a:solidFill>
+              </a:rPr>
+              <a:t>Спасибо за внимание!</a:t>
+            </a:r>
+            <a:endParaRPr lang="LID4096" sz="6000" dirty="0">
+              <a:solidFill>
+                <a:schemeClr val="accent6">
+                  <a:lumMod val="40000"/>
+                  <a:lumOff val="60000"/>
+                </a:schemeClr>
+              </a:solidFill>
+            </a:endParaRPr>
+          </a:p>
+        </p:txBody>
+      </p:sp>
+    </p:spTree>
+    <p:extLst>
+      <p:ext uri="{BB962C8B-B14F-4D97-AF65-F5344CB8AC3E}">
+        <p14:creationId xmlns:p14="http://schemas.microsoft.com/office/powerpoint/2010/main" val="649078657"/>
       </p:ext>
     </p:extLst>
   </p:cSld>
@@ -10351,10 +10398,16 @@
           <a:lstStyle/>
           <a:p>
             <a:r>
-              <a:rPr lang="ru-RU" dirty="0" smtClean="0"/>
+              <a:rPr lang="ru-RU" dirty="0">
+                <a:solidFill>
+                  <a:schemeClr val="accent6">
+                    <a:lumMod val="40000"/>
+                    <a:lumOff val="60000"/>
+                  </a:schemeClr>
+                </a:solidFill>
+              </a:rPr>
               <a:t>Актуальность проекта</a:t>
             </a:r>
-            <a:endParaRPr lang="ru-RU" dirty="0"/>
           </a:p>
         </p:txBody>
       </p:sp>
@@ -10377,16 +10430,12 @@
               <a:buNone/>
             </a:pPr>
             <a:r>
-              <a:rPr lang="ru-RU" dirty="0" smtClean="0">
+              <a:rPr lang="ru-RU" dirty="0">
                 <a:latin typeface="Arial" panose="020B0604020202020204" pitchFamily="34" charset="0"/>
                 <a:cs typeface="Arial" panose="020B0604020202020204" pitchFamily="34" charset="0"/>
               </a:rPr>
               <a:t>Многие начинающие музыкальные продюсеры сталкиваются с проблемой сложности создания оригинальных мелодий. Моя программам призвана помочь им в изучении данной темы и более наглядно видеть свои успехи в музыке.</a:t>
             </a:r>
-            <a:endParaRPr lang="ru-RU" dirty="0">
-              <a:latin typeface="Arial" panose="020B0604020202020204" pitchFamily="34" charset="0"/>
-              <a:cs typeface="Arial" panose="020B0604020202020204" pitchFamily="34" charset="0"/>
-            </a:endParaRPr>
           </a:p>
         </p:txBody>
       </p:sp>
@@ -10481,10 +10530,24 @@
           <a:lstStyle/>
           <a:p>
             <a:r>
-              <a:rPr lang="ru-RU" dirty="0"/>
+              <a:rPr lang="ru-RU" dirty="0">
+                <a:solidFill>
+                  <a:schemeClr val="accent6">
+                    <a:lumMod val="40000"/>
+                    <a:lumOff val="60000"/>
+                  </a:schemeClr>
+                </a:solidFill>
+              </a:rPr>
               <a:t>Цель проекта</a:t>
             </a:r>
-            <a:endParaRPr lang="LID4096" dirty="0"/>
+            <a:endParaRPr lang="LID4096" dirty="0">
+              <a:solidFill>
+                <a:schemeClr val="accent6">
+                  <a:lumMod val="40000"/>
+                  <a:lumOff val="60000"/>
+                </a:schemeClr>
+              </a:solidFill>
+            </a:endParaRPr>
           </a:p>
         </p:txBody>
       </p:sp>
@@ -10585,10 +10648,24 @@
           <a:lstStyle/>
           <a:p>
             <a:r>
-              <a:rPr lang="ru-RU" dirty="0"/>
+              <a:rPr lang="ru-RU" dirty="0">
+                <a:solidFill>
+                  <a:schemeClr val="accent6">
+                    <a:lumMod val="40000"/>
+                    <a:lumOff val="60000"/>
+                  </a:schemeClr>
+                </a:solidFill>
+              </a:rPr>
               <a:t>Задачи проекта</a:t>
             </a:r>
-            <a:endParaRPr lang="LID4096" dirty="0"/>
+            <a:endParaRPr lang="LID4096" dirty="0">
+              <a:solidFill>
+                <a:schemeClr val="accent6">
+                  <a:lumMod val="40000"/>
+                  <a:lumOff val="60000"/>
+                </a:schemeClr>
+              </a:solidFill>
+            </a:endParaRPr>
           </a:p>
         </p:txBody>
       </p:sp>
@@ -10752,10 +10829,24 @@
           <a:lstStyle/>
           <a:p>
             <a:r>
-              <a:rPr lang="ru-RU" dirty="0"/>
+              <a:rPr lang="ru-RU" dirty="0">
+                <a:solidFill>
+                  <a:schemeClr val="accent6">
+                    <a:lumMod val="40000"/>
+                    <a:lumOff val="60000"/>
+                  </a:schemeClr>
+                </a:solidFill>
+              </a:rPr>
               <a:t>Анализ существующих решений</a:t>
             </a:r>
-            <a:endParaRPr lang="LID4096" dirty="0"/>
+            <a:endParaRPr lang="LID4096" dirty="0">
+              <a:solidFill>
+                <a:schemeClr val="accent6">
+                  <a:lumMod val="40000"/>
+                  <a:lumOff val="60000"/>
+                </a:schemeClr>
+              </a:solidFill>
+            </a:endParaRPr>
           </a:p>
         </p:txBody>
       </p:sp>
@@ -10880,10 +10971,24 @@
           <a:lstStyle/>
           <a:p>
             <a:r>
-              <a:rPr lang="ru-RU" dirty="0"/>
+              <a:rPr lang="ru-RU" dirty="0">
+                <a:solidFill>
+                  <a:schemeClr val="accent6">
+                    <a:lumMod val="40000"/>
+                    <a:lumOff val="60000"/>
+                  </a:schemeClr>
+                </a:solidFill>
+              </a:rPr>
               <a:t>Таблица сравнения с аналогами</a:t>
             </a:r>
-            <a:endParaRPr lang="LID4096" dirty="0"/>
+            <a:endParaRPr lang="LID4096" dirty="0">
+              <a:solidFill>
+                <a:schemeClr val="accent6">
+                  <a:lumMod val="40000"/>
+                  <a:lumOff val="60000"/>
+                </a:schemeClr>
+              </a:solidFill>
+            </a:endParaRPr>
           </a:p>
         </p:txBody>
       </p:sp>
@@ -11178,7 +11283,7 @@
                     <a:p>
                       <a:pPr algn="l"/>
                       <a:r>
-                        <a:rPr lang="ru-RU" dirty="0" smtClean="0">
+                        <a:rPr lang="ru-RU" dirty="0">
                           <a:solidFill>
                             <a:schemeClr val="tx1">
                               <a:lumMod val="85000"/>
@@ -11190,7 +11295,7 @@
                         <a:t>Это</a:t>
                       </a:r>
                       <a:r>
-                        <a:rPr lang="ru-RU" baseline="0" dirty="0" smtClean="0">
+                        <a:rPr lang="ru-RU" baseline="0" dirty="0">
                           <a:solidFill>
                             <a:schemeClr val="tx1">
                               <a:lumMod val="85000"/>
@@ -11202,18 +11307,6 @@
                         <a:t> решение </a:t>
                       </a:r>
                       <a:r>
-                        <a:rPr lang="ru-RU" dirty="0" smtClean="0">
-                          <a:solidFill>
-                            <a:schemeClr val="tx1">
-                              <a:lumMod val="85000"/>
-                            </a:schemeClr>
-                          </a:solidFill>
-                          <a:latin typeface="Arial" panose="020B0604020202020204" pitchFamily="34" charset="0"/>
-                          <a:cs typeface="Arial" panose="020B0604020202020204" pitchFamily="34" charset="0"/>
-                        </a:rPr>
-                        <a:t>не </a:t>
-                      </a:r>
-                      <a:r>
                         <a:rPr lang="ru-RU" dirty="0">
                           <a:solidFill>
                             <a:schemeClr val="tx1">
@@ -11223,7 +11316,7 @@
                           <a:latin typeface="Arial" panose="020B0604020202020204" pitchFamily="34" charset="0"/>
                           <a:cs typeface="Arial" panose="020B0604020202020204" pitchFamily="34" charset="0"/>
                         </a:rPr>
-                        <a:t>подходит.</a:t>
+                        <a:t>не подходит.</a:t>
                       </a:r>
                     </a:p>
                     <a:p>
@@ -11275,18 +11368,6 @@
                     <a:p>
                       <a:pPr algn="l"/>
                       <a:r>
-                        <a:rPr lang="ru-RU" dirty="0" smtClean="0">
-                          <a:solidFill>
-                            <a:schemeClr val="tx1">
-                              <a:lumMod val="85000"/>
-                            </a:schemeClr>
-                          </a:solidFill>
-                          <a:latin typeface="Arial" panose="020B0604020202020204" pitchFamily="34" charset="0"/>
-                          <a:cs typeface="Arial" panose="020B0604020202020204" pitchFamily="34" charset="0"/>
-                        </a:rPr>
-                        <a:t>Данный </a:t>
-                      </a:r>
-                      <a:r>
                         <a:rPr lang="ru-RU" dirty="0">
                           <a:solidFill>
                             <a:schemeClr val="tx1">
@@ -11296,7 +11377,7 @@
                           <a:latin typeface="Arial" panose="020B0604020202020204" pitchFamily="34" charset="0"/>
                           <a:cs typeface="Arial" panose="020B0604020202020204" pitchFamily="34" charset="0"/>
                         </a:rPr>
-                        <a:t>вариант нам тоже не подходит.</a:t>
+                        <a:t>Данный вариант нам тоже не подходит.</a:t>
                       </a:r>
                     </a:p>
                     <a:p>
@@ -11348,18 +11429,6 @@
                     <a:p>
                       <a:pPr algn="l"/>
                       <a:r>
-                        <a:rPr lang="ru-RU" dirty="0" smtClean="0">
-                          <a:solidFill>
-                            <a:schemeClr val="tx1">
-                              <a:lumMod val="85000"/>
-                            </a:schemeClr>
-                          </a:solidFill>
-                          <a:latin typeface="Arial" panose="020B0604020202020204" pitchFamily="34" charset="0"/>
-                          <a:cs typeface="Arial" panose="020B0604020202020204" pitchFamily="34" charset="0"/>
-                        </a:rPr>
-                        <a:t>Это </a:t>
-                      </a:r>
-                      <a:r>
                         <a:rPr lang="ru-RU" dirty="0">
                           <a:solidFill>
                             <a:schemeClr val="tx1">
@@ -11369,7 +11438,7 @@
                           <a:latin typeface="Arial" panose="020B0604020202020204" pitchFamily="34" charset="0"/>
                           <a:cs typeface="Arial" panose="020B0604020202020204" pitchFamily="34" charset="0"/>
                         </a:rPr>
-                        <a:t>решение будет наилучшим благодаря относительно низкой сложности осуществления и отсутствия минусов нейросети.</a:t>
+                        <a:t>Это решение будет наилучшим благодаря относительно низкой сложности осуществления и отсутствия минусов нейросети.</a:t>
                       </a:r>
                     </a:p>
                     <a:p>
@@ -11446,6 +11515,139 @@
           <p:cNvPr id="2" name="Title 1">
             <a:extLst>
               <a:ext uri="{FF2B5EF4-FFF2-40B4-BE49-F238E27FC236}">
+                <a16:creationId xmlns:a16="http://schemas.microsoft.com/office/drawing/2014/main" id="{45F3296A-F0AF-4C87-B3B4-8246D81B5482}"/>
+              </a:ext>
+            </a:extLst>
+          </p:cNvPr>
+          <p:cNvSpPr>
+            <a:spLocks noGrp="1"/>
+          </p:cNvSpPr>
+          <p:nvPr>
+            <p:ph type="title"/>
+          </p:nvPr>
+        </p:nvSpPr>
+        <p:spPr/>
+        <p:txBody>
+          <a:bodyPr/>
+          <a:lstStyle/>
+          <a:p>
+            <a:r>
+              <a:rPr lang="ru-RU" dirty="0">
+                <a:solidFill>
+                  <a:schemeClr val="accent6">
+                    <a:lumMod val="40000"/>
+                    <a:lumOff val="60000"/>
+                  </a:schemeClr>
+                </a:solidFill>
+              </a:rPr>
+              <a:t>Взаимодействие с пользователем</a:t>
+            </a:r>
+            <a:endParaRPr lang="LID4096" dirty="0">
+              <a:solidFill>
+                <a:schemeClr val="accent6">
+                  <a:lumMod val="40000"/>
+                  <a:lumOff val="60000"/>
+                </a:schemeClr>
+              </a:solidFill>
+            </a:endParaRPr>
+          </a:p>
+        </p:txBody>
+      </p:sp>
+      <p:pic>
+        <p:nvPicPr>
+          <p:cNvPr id="4" name="Picture 3">
+            <a:extLst>
+              <a:ext uri="{FF2B5EF4-FFF2-40B4-BE49-F238E27FC236}">
+                <a16:creationId xmlns:a16="http://schemas.microsoft.com/office/drawing/2014/main" id="{0F3939AD-DC16-407A-9C05-1FA1D5176739}"/>
+              </a:ext>
+            </a:extLst>
+          </p:cNvPr>
+          <p:cNvPicPr>
+            <a:picLocks noChangeAspect="1"/>
+          </p:cNvPicPr>
+          <p:nvPr/>
+        </p:nvPicPr>
+        <p:blipFill>
+          <a:blip r:embed="rId2"/>
+          <a:stretch>
+            <a:fillRect/>
+          </a:stretch>
+        </p:blipFill>
+        <p:spPr>
+          <a:xfrm>
+            <a:off x="1266825" y="1817608"/>
+            <a:ext cx="2978296" cy="3222783"/>
+          </a:xfrm>
+          <a:prstGeom prst="rect">
+            <a:avLst/>
+          </a:prstGeom>
+        </p:spPr>
+      </p:pic>
+      <p:pic>
+        <p:nvPicPr>
+          <p:cNvPr id="5" name="Picture 4">
+            <a:extLst>
+              <a:ext uri="{FF2B5EF4-FFF2-40B4-BE49-F238E27FC236}">
+                <a16:creationId xmlns:a16="http://schemas.microsoft.com/office/drawing/2014/main" id="{9A441BFC-46FF-46F3-96B2-463A6C06CDE4}"/>
+              </a:ext>
+            </a:extLst>
+          </p:cNvPr>
+          <p:cNvPicPr>
+            <a:picLocks noChangeAspect="1"/>
+          </p:cNvPicPr>
+          <p:nvPr/>
+        </p:nvPicPr>
+        <p:blipFill>
+          <a:blip r:embed="rId3"/>
+          <a:stretch>
+            <a:fillRect/>
+          </a:stretch>
+        </p:blipFill>
+        <p:spPr>
+          <a:xfrm>
+            <a:off x="6466853" y="1817608"/>
+            <a:ext cx="4458322" cy="4191585"/>
+          </a:xfrm>
+          <a:prstGeom prst="rect">
+            <a:avLst/>
+          </a:prstGeom>
+        </p:spPr>
+      </p:pic>
+    </p:spTree>
+    <p:extLst>
+      <p:ext uri="{BB962C8B-B14F-4D97-AF65-F5344CB8AC3E}">
+        <p14:creationId xmlns:p14="http://schemas.microsoft.com/office/powerpoint/2010/main" val="2897372831"/>
+      </p:ext>
+    </p:extLst>
+  </p:cSld>
+  <p:clrMapOvr>
+    <a:masterClrMapping/>
+  </p:clrMapOvr>
+</p:sld>
+</file>
+
+<file path=ppt/slides/slide8.xml><?xml version="1.0" encoding="utf-8"?>
+<p:sld xmlns:a="http://schemas.openxmlformats.org/drawingml/2006/main" xmlns:r="http://schemas.openxmlformats.org/officeDocument/2006/relationships" xmlns:p="http://schemas.openxmlformats.org/presentationml/2006/main">
+  <p:cSld>
+    <p:spTree>
+      <p:nvGrpSpPr>
+        <p:cNvPr id="1" name=""/>
+        <p:cNvGrpSpPr/>
+        <p:nvPr/>
+      </p:nvGrpSpPr>
+      <p:grpSpPr>
+        <a:xfrm>
+          <a:off x="0" y="0"/>
+          <a:ext cx="0" cy="0"/>
+          <a:chOff x="0" y="0"/>
+          <a:chExt cx="0" cy="0"/>
+        </a:xfrm>
+      </p:grpSpPr>
+      <p:sp>
+        <p:nvSpPr>
+          <p:cNvPr id="2" name="Title 1">
+            <a:extLst>
+              <a:ext uri="{FF2B5EF4-FFF2-40B4-BE49-F238E27FC236}">
                 <a16:creationId xmlns:a16="http://schemas.microsoft.com/office/drawing/2014/main" id="{DD984FEF-08A6-40D8-907C-9F2F464C6C8B}"/>
               </a:ext>
             </a:extLst>
@@ -11463,10 +11665,24 @@
           <a:lstStyle/>
           <a:p>
             <a:r>
-              <a:rPr lang="ru-RU" dirty="0" smtClean="0"/>
+              <a:rPr lang="ru-RU" dirty="0">
+                <a:solidFill>
+                  <a:schemeClr val="accent6">
+                    <a:lumMod val="40000"/>
+                    <a:lumOff val="60000"/>
+                  </a:schemeClr>
+                </a:solidFill>
+              </a:rPr>
               <a:t>Работа программы</a:t>
             </a:r>
-            <a:endParaRPr lang="LID4096" dirty="0"/>
+            <a:endParaRPr lang="LID4096" dirty="0">
+              <a:solidFill>
+                <a:schemeClr val="accent6">
+                  <a:lumMod val="40000"/>
+                  <a:lumOff val="60000"/>
+                </a:schemeClr>
+              </a:solidFill>
+            </a:endParaRPr>
           </a:p>
         </p:txBody>
       </p:sp>
@@ -11477,7 +11693,7 @@
           <p:nvPr>
             <p:extLst>
               <p:ext uri="{D42A27DB-BD31-4B8C-83A1-F6EECF244321}">
-                <p14:modId xmlns:p14="http://schemas.microsoft.com/office/powerpoint/2010/main" val="1031029454"/>
+                <p14:modId xmlns:p14="http://schemas.microsoft.com/office/powerpoint/2010/main" val="1647740494"/>
               </p:ext>
             </p:extLst>
           </p:nvPr>
@@ -11492,10 +11708,223 @@
           </a:graphicData>
         </a:graphic>
       </p:graphicFrame>
+      <p:cxnSp>
+        <p:nvCxnSpPr>
+          <p:cNvPr id="29" name="Straight Connector 28">
+            <a:extLst>
+              <a:ext uri="{FF2B5EF4-FFF2-40B4-BE49-F238E27FC236}">
+                <a16:creationId xmlns:a16="http://schemas.microsoft.com/office/drawing/2014/main" id="{C1A67531-80D6-413F-9870-872CCE1389E2}"/>
+              </a:ext>
+            </a:extLst>
+          </p:cNvPr>
+          <p:cNvCxnSpPr>
+            <a:cxnSpLocks/>
+          </p:cNvCxnSpPr>
+          <p:nvPr/>
+        </p:nvCxnSpPr>
+        <p:spPr>
+          <a:xfrm>
+            <a:off x="5990662" y="3969545"/>
+            <a:ext cx="1183485" cy="0"/>
+          </a:xfrm>
+          <a:prstGeom prst="line">
+            <a:avLst/>
+          </a:prstGeom>
+          <a:ln>
+            <a:solidFill>
+              <a:schemeClr val="tx1">
+                <a:lumMod val="95000"/>
+              </a:schemeClr>
+            </a:solidFill>
+          </a:ln>
+        </p:spPr>
+        <p:style>
+          <a:lnRef idx="2">
+            <a:schemeClr val="dk1"/>
+          </a:lnRef>
+          <a:fillRef idx="0">
+            <a:schemeClr val="dk1"/>
+          </a:fillRef>
+          <a:effectRef idx="1">
+            <a:schemeClr val="dk1"/>
+          </a:effectRef>
+          <a:fontRef idx="minor">
+            <a:schemeClr val="tx1"/>
+          </a:fontRef>
+        </p:style>
+      </p:cxnSp>
+      <p:cxnSp>
+        <p:nvCxnSpPr>
+          <p:cNvPr id="34" name="Straight Connector 33">
+            <a:extLst>
+              <a:ext uri="{FF2B5EF4-FFF2-40B4-BE49-F238E27FC236}">
+                <a16:creationId xmlns:a16="http://schemas.microsoft.com/office/drawing/2014/main" id="{BEAC23A8-7DEE-4D2D-91D1-45BA8C7C5AA1}"/>
+              </a:ext>
+            </a:extLst>
+          </p:cNvPr>
+          <p:cNvCxnSpPr>
+            <a:cxnSpLocks/>
+          </p:cNvCxnSpPr>
+          <p:nvPr/>
+        </p:nvCxnSpPr>
+        <p:spPr>
+          <a:xfrm>
+            <a:off x="7174147" y="3755231"/>
+            <a:ext cx="0" cy="214314"/>
+          </a:xfrm>
+          <a:prstGeom prst="line">
+            <a:avLst/>
+          </a:prstGeom>
+          <a:ln>
+            <a:solidFill>
+              <a:schemeClr val="tx1">
+                <a:lumMod val="85000"/>
+              </a:schemeClr>
+            </a:solidFill>
+          </a:ln>
+        </p:spPr>
+        <p:style>
+          <a:lnRef idx="2">
+            <a:schemeClr val="dk1"/>
+          </a:lnRef>
+          <a:fillRef idx="0">
+            <a:schemeClr val="dk1"/>
+          </a:fillRef>
+          <a:effectRef idx="1">
+            <a:schemeClr val="dk1"/>
+          </a:effectRef>
+          <a:fontRef idx="minor">
+            <a:schemeClr val="tx1"/>
+          </a:fontRef>
+        </p:style>
+      </p:cxnSp>
     </p:spTree>
     <p:extLst>
       <p:ext uri="{BB962C8B-B14F-4D97-AF65-F5344CB8AC3E}">
         <p14:creationId xmlns:p14="http://schemas.microsoft.com/office/powerpoint/2010/main" val="2734446160"/>
+      </p:ext>
+    </p:extLst>
+  </p:cSld>
+  <p:clrMapOvr>
+    <a:masterClrMapping/>
+  </p:clrMapOvr>
+</p:sld>
+</file>
+
+<file path=ppt/slides/slide9.xml><?xml version="1.0" encoding="utf-8"?>
+<p:sld xmlns:a="http://schemas.openxmlformats.org/drawingml/2006/main" xmlns:r="http://schemas.openxmlformats.org/officeDocument/2006/relationships" xmlns:p="http://schemas.openxmlformats.org/presentationml/2006/main">
+  <p:cSld>
+    <p:spTree>
+      <p:nvGrpSpPr>
+        <p:cNvPr id="1" name=""/>
+        <p:cNvGrpSpPr/>
+        <p:nvPr/>
+      </p:nvGrpSpPr>
+      <p:grpSpPr>
+        <a:xfrm>
+          <a:off x="0" y="0"/>
+          <a:ext cx="0" cy="0"/>
+          <a:chOff x="0" y="0"/>
+          <a:chExt cx="0" cy="0"/>
+        </a:xfrm>
+      </p:grpSpPr>
+      <p:sp>
+        <p:nvSpPr>
+          <p:cNvPr id="2" name="Title 1">
+            <a:extLst>
+              <a:ext uri="{FF2B5EF4-FFF2-40B4-BE49-F238E27FC236}">
+                <a16:creationId xmlns:a16="http://schemas.microsoft.com/office/drawing/2014/main" id="{6637240E-3AC0-4421-90F0-83CDBD15D72A}"/>
+              </a:ext>
+            </a:extLst>
+          </p:cNvPr>
+          <p:cNvSpPr>
+            <a:spLocks noGrp="1"/>
+          </p:cNvSpPr>
+          <p:nvPr>
+            <p:ph type="title"/>
+          </p:nvPr>
+        </p:nvSpPr>
+        <p:spPr/>
+        <p:txBody>
+          <a:bodyPr/>
+          <a:lstStyle/>
+          <a:p>
+            <a:r>
+              <a:rPr lang="ru-RU" dirty="0">
+                <a:solidFill>
+                  <a:schemeClr val="accent6">
+                    <a:lumMod val="20000"/>
+                    <a:lumOff val="80000"/>
+                  </a:schemeClr>
+                </a:solidFill>
+              </a:rPr>
+              <a:t>План дальнейшего развития проекта</a:t>
+            </a:r>
+            <a:endParaRPr lang="LID4096" dirty="0">
+              <a:solidFill>
+                <a:schemeClr val="accent6">
+                  <a:lumMod val="20000"/>
+                  <a:lumOff val="80000"/>
+                </a:schemeClr>
+              </a:solidFill>
+            </a:endParaRPr>
+          </a:p>
+        </p:txBody>
+      </p:sp>
+      <p:sp>
+        <p:nvSpPr>
+          <p:cNvPr id="3" name="Content Placeholder 2">
+            <a:extLst>
+              <a:ext uri="{FF2B5EF4-FFF2-40B4-BE49-F238E27FC236}">
+                <a16:creationId xmlns:a16="http://schemas.microsoft.com/office/drawing/2014/main" id="{1C5D765F-B244-42D1-866A-95E4EBE579E6}"/>
+              </a:ext>
+            </a:extLst>
+          </p:cNvPr>
+          <p:cNvSpPr>
+            <a:spLocks noGrp="1"/>
+          </p:cNvSpPr>
+          <p:nvPr>
+            <p:ph idx="1"/>
+          </p:nvPr>
+        </p:nvSpPr>
+        <p:spPr/>
+        <p:txBody>
+          <a:bodyPr>
+            <a:normAutofit/>
+          </a:bodyPr>
+          <a:lstStyle/>
+          <a:p>
+            <a:r>
+              <a:rPr lang="ru-RU" sz="2800" dirty="0"/>
+              <a:t>Дописать программу и оптимизировать её</a:t>
+            </a:r>
+          </a:p>
+          <a:p>
+            <a:r>
+              <a:rPr lang="ru-RU" sz="2800" dirty="0"/>
+              <a:t>Улучшить механизм генерации, возможно разработать генетический алгоритм для этой цели</a:t>
+            </a:r>
+          </a:p>
+          <a:p>
+            <a:r>
+              <a:rPr lang="ru-RU" sz="2800" dirty="0"/>
+              <a:t>Добавить новые параметры для более гибкой настройки генерации мелодии</a:t>
+            </a:r>
+            <a:endParaRPr lang="en-US" sz="2800" dirty="0"/>
+          </a:p>
+          <a:p>
+            <a:r>
+              <a:rPr lang="ru-RU" sz="2800" dirty="0"/>
+              <a:t>Сделать удобный и понятный интерфейс</a:t>
+            </a:r>
+            <a:endParaRPr lang="LID4096" sz="2800" dirty="0"/>
+          </a:p>
+        </p:txBody>
+      </p:sp>
+    </p:spTree>
+    <p:extLst>
+      <p:ext uri="{BB962C8B-B14F-4D97-AF65-F5344CB8AC3E}">
+        <p14:creationId xmlns:p14="http://schemas.microsoft.com/office/powerpoint/2010/main" val="2557352561"/>
       </p:ext>
     </p:extLst>
   </p:cSld>

--- a/Программа_Генерирующая_Музыку_ИП_Фрик_Евгений_2022.pptx
+++ b/Программа_Генерирующая_Музыку_ИП_Фрик_Евгений_2022.pptx
@@ -7,14 +7,13 @@
   <p:sldIdLst>
     <p:sldId id="256" r:id="rId2"/>
     <p:sldId id="263" r:id="rId3"/>
-    <p:sldId id="257" r:id="rId4"/>
-    <p:sldId id="258" r:id="rId5"/>
-    <p:sldId id="259" r:id="rId6"/>
-    <p:sldId id="260" r:id="rId7"/>
-    <p:sldId id="264" r:id="rId8"/>
-    <p:sldId id="262" r:id="rId9"/>
-    <p:sldId id="265" r:id="rId10"/>
-    <p:sldId id="267" r:id="rId11"/>
+    <p:sldId id="258" r:id="rId4"/>
+    <p:sldId id="259" r:id="rId5"/>
+    <p:sldId id="260" r:id="rId6"/>
+    <p:sldId id="264" r:id="rId7"/>
+    <p:sldId id="262" r:id="rId8"/>
+    <p:sldId id="265" r:id="rId9"/>
+    <p:sldId id="267" r:id="rId10"/>
   </p:sldIdLst>
   <p:sldSz cx="12192000" cy="6858000"/>
   <p:notesSz cx="6858000" cy="9144000"/>
@@ -10186,7 +10185,7 @@
                 <a:latin typeface="Times New Roman" panose="02020603050405020304" pitchFamily="18" charset="0"/>
                 <a:cs typeface="Times New Roman" panose="02020603050405020304" pitchFamily="18" charset="0"/>
               </a:rPr>
-              <a:t>«Программа генерирующая музыку»</a:t>
+              <a:t>«Программа, генерирующая музыку»</a:t>
             </a:r>
           </a:p>
           <a:p>
@@ -10276,86 +10275,6 @@
     <p:extLst>
       <p:ext uri="{BB962C8B-B14F-4D97-AF65-F5344CB8AC3E}">
         <p14:creationId xmlns:p14="http://schemas.microsoft.com/office/powerpoint/2010/main" val="1425165426"/>
-      </p:ext>
-    </p:extLst>
-  </p:cSld>
-  <p:clrMapOvr>
-    <a:masterClrMapping/>
-  </p:clrMapOvr>
-</p:sld>
-</file>
-
-<file path=ppt/slides/slide10.xml><?xml version="1.0" encoding="utf-8"?>
-<p:sld xmlns:a="http://schemas.openxmlformats.org/drawingml/2006/main" xmlns:r="http://schemas.openxmlformats.org/officeDocument/2006/relationships" xmlns:p="http://schemas.openxmlformats.org/presentationml/2006/main">
-  <p:cSld>
-    <p:spTree>
-      <p:nvGrpSpPr>
-        <p:cNvPr id="1" name=""/>
-        <p:cNvGrpSpPr/>
-        <p:nvPr/>
-      </p:nvGrpSpPr>
-      <p:grpSpPr>
-        <a:xfrm>
-          <a:off x="0" y="0"/>
-          <a:ext cx="0" cy="0"/>
-          <a:chOff x="0" y="0"/>
-          <a:chExt cx="0" cy="0"/>
-        </a:xfrm>
-      </p:grpSpPr>
-      <p:sp>
-        <p:nvSpPr>
-          <p:cNvPr id="2" name="Title 1">
-            <a:extLst>
-              <a:ext uri="{FF2B5EF4-FFF2-40B4-BE49-F238E27FC236}">
-                <a16:creationId xmlns:a16="http://schemas.microsoft.com/office/drawing/2014/main" id="{EADA57F4-0869-4202-A3CE-DC40AE80E829}"/>
-              </a:ext>
-            </a:extLst>
-          </p:cNvPr>
-          <p:cNvSpPr>
-            <a:spLocks noGrp="1"/>
-          </p:cNvSpPr>
-          <p:nvPr>
-            <p:ph type="title"/>
-          </p:nvPr>
-        </p:nvSpPr>
-        <p:spPr>
-          <a:xfrm>
-            <a:off x="919119" y="2943775"/>
-            <a:ext cx="10353762" cy="970450"/>
-          </a:xfrm>
-        </p:spPr>
-        <p:txBody>
-          <a:bodyPr>
-            <a:noAutofit/>
-          </a:bodyPr>
-          <a:lstStyle/>
-          <a:p>
-            <a:r>
-              <a:rPr lang="ru-RU" sz="6000" dirty="0">
-                <a:solidFill>
-                  <a:schemeClr val="accent6">
-                    <a:lumMod val="40000"/>
-                    <a:lumOff val="60000"/>
-                  </a:schemeClr>
-                </a:solidFill>
-              </a:rPr>
-              <a:t>Спасибо за внимание!</a:t>
-            </a:r>
-            <a:endParaRPr lang="LID4096" sz="6000" dirty="0">
-              <a:solidFill>
-                <a:schemeClr val="accent6">
-                  <a:lumMod val="40000"/>
-                  <a:lumOff val="60000"/>
-                </a:schemeClr>
-              </a:solidFill>
-            </a:endParaRPr>
-          </a:p>
-        </p:txBody>
-      </p:sp>
-    </p:spTree>
-    <p:extLst>
-      <p:ext uri="{BB962C8B-B14F-4D97-AF65-F5344CB8AC3E}">
-        <p14:creationId xmlns:p14="http://schemas.microsoft.com/office/powerpoint/2010/main" val="649078657"/>
       </p:ext>
     </p:extLst>
   </p:cSld>
@@ -10406,7 +10325,7 @@
                   </a:schemeClr>
                 </a:solidFill>
               </a:rPr>
-              <a:t>Актуальность проекта</a:t>
+              <a:t>Актуальность и цель проекта</a:t>
             </a:r>
           </a:p>
         </p:txBody>
@@ -10421,21 +10340,70 @@
             <p:ph idx="1"/>
           </p:nvPr>
         </p:nvSpPr>
-        <p:spPr/>
+        <p:spPr>
+          <a:xfrm>
+            <a:off x="913795" y="1574374"/>
+            <a:ext cx="10353762" cy="4826425"/>
+          </a:xfrm>
+        </p:spPr>
         <p:txBody>
-          <a:bodyPr/>
+          <a:bodyPr>
+            <a:normAutofit/>
+          </a:bodyPr>
           <a:lstStyle/>
           <a:p>
             <a:pPr marL="36900" indent="0" algn="just">
               <a:buNone/>
             </a:pPr>
             <a:r>
-              <a:rPr lang="ru-RU" dirty="0">
+              <a:rPr lang="ru-RU" sz="2400" dirty="0">
                 <a:latin typeface="Arial" panose="020B0604020202020204" pitchFamily="34" charset="0"/>
                 <a:cs typeface="Arial" panose="020B0604020202020204" pitchFamily="34" charset="0"/>
               </a:rPr>
-              <a:t>Многие начинающие музыкальные продюсеры сталкиваются с проблемой сложности создания оригинальных мелодий. Моя программам призвана помочь им в изучении данной темы и более наглядно видеть свои успехи в музыке.</a:t>
-            </a:r>
+              <a:t>Актуальность:</a:t>
+            </a:r>
+          </a:p>
+          <a:p>
+            <a:pPr marL="36900" indent="0" algn="just">
+              <a:buNone/>
+            </a:pPr>
+            <a:r>
+              <a:rPr lang="ru-RU" sz="2400" dirty="0">
+                <a:latin typeface="Arial" panose="020B0604020202020204" pitchFamily="34" charset="0"/>
+                <a:cs typeface="Arial" panose="020B0604020202020204" pitchFamily="34" charset="0"/>
+              </a:rPr>
+              <a:t>Многие начинающие музыкальные продюсеры сталкиваются с проблемой сложности создания оригинальных мелодий. Моя программа призвана помочь им в изучении данной темы и более наглядно видеть свои успехи в музыке.</a:t>
+            </a:r>
+          </a:p>
+          <a:p>
+            <a:pPr marL="36900" indent="0" algn="just">
+              <a:buNone/>
+            </a:pPr>
+            <a:r>
+              <a:rPr lang="ru-RU" sz="2400" dirty="0">
+                <a:latin typeface="Arial" panose="020B0604020202020204" pitchFamily="34" charset="0"/>
+                <a:cs typeface="Arial" panose="020B0604020202020204" pitchFamily="34" charset="0"/>
+              </a:rPr>
+              <a:t>Цель:</a:t>
+            </a:r>
+          </a:p>
+          <a:p>
+            <a:pPr marL="36900" indent="0" algn="just">
+              <a:buNone/>
+            </a:pPr>
+            <a:r>
+              <a:rPr lang="ru-RU" sz="2400" dirty="0">
+                <a:latin typeface="Arial" panose="020B0604020202020204" pitchFamily="34" charset="0"/>
+                <a:ea typeface="Yu Gothic" panose="020B0400000000000000" pitchFamily="34" charset="-128"/>
+                <a:cs typeface="Arial" panose="020B0604020202020204" pitchFamily="34" charset="0"/>
+              </a:rPr>
+              <a:t>Разработать программу для генерации музыкальных мелодий.</a:t>
+            </a:r>
+            <a:endParaRPr lang="LID4096" sz="2400" dirty="0">
+              <a:latin typeface="Arial" panose="020B0604020202020204" pitchFamily="34" charset="0"/>
+              <a:ea typeface="Yu Gothic" panose="020B0400000000000000" pitchFamily="34" charset="-128"/>
+              <a:cs typeface="Arial" panose="020B0604020202020204" pitchFamily="34" charset="0"/>
+            </a:endParaRPr>
           </a:p>
         </p:txBody>
       </p:sp>
@@ -10470,8 +10438,8 @@
         </p:blipFill>
         <p:spPr>
           <a:xfrm>
-            <a:off x="8670175" y="3826737"/>
-            <a:ext cx="3031263" cy="3031263"/>
+            <a:off x="913795" y="4586197"/>
+            <a:ext cx="2271803" cy="2271803"/>
           </a:xfrm>
           <a:prstGeom prst="rect">
             <a:avLst/>
@@ -10513,124 +10481,6 @@
           <p:cNvPr id="2" name="Title 1">
             <a:extLst>
               <a:ext uri="{FF2B5EF4-FFF2-40B4-BE49-F238E27FC236}">
-                <a16:creationId xmlns:a16="http://schemas.microsoft.com/office/drawing/2014/main" id="{F074D45B-F305-4034-A154-607C02C93E29}"/>
-              </a:ext>
-            </a:extLst>
-          </p:cNvPr>
-          <p:cNvSpPr>
-            <a:spLocks noGrp="1"/>
-          </p:cNvSpPr>
-          <p:nvPr>
-            <p:ph type="title"/>
-          </p:nvPr>
-        </p:nvSpPr>
-        <p:spPr/>
-        <p:txBody>
-          <a:bodyPr/>
-          <a:lstStyle/>
-          <a:p>
-            <a:r>
-              <a:rPr lang="ru-RU" dirty="0">
-                <a:solidFill>
-                  <a:schemeClr val="accent6">
-                    <a:lumMod val="40000"/>
-                    <a:lumOff val="60000"/>
-                  </a:schemeClr>
-                </a:solidFill>
-              </a:rPr>
-              <a:t>Цель проекта</a:t>
-            </a:r>
-            <a:endParaRPr lang="LID4096" dirty="0">
-              <a:solidFill>
-                <a:schemeClr val="accent6">
-                  <a:lumMod val="40000"/>
-                  <a:lumOff val="60000"/>
-                </a:schemeClr>
-              </a:solidFill>
-            </a:endParaRPr>
-          </a:p>
-        </p:txBody>
-      </p:sp>
-      <p:sp>
-        <p:nvSpPr>
-          <p:cNvPr id="3" name="Content Placeholder 2">
-            <a:extLst>
-              <a:ext uri="{FF2B5EF4-FFF2-40B4-BE49-F238E27FC236}">
-                <a16:creationId xmlns:a16="http://schemas.microsoft.com/office/drawing/2014/main" id="{B57342F5-F8C8-4436-BCA5-0CD64E844A05}"/>
-              </a:ext>
-            </a:extLst>
-          </p:cNvPr>
-          <p:cNvSpPr>
-            <a:spLocks noGrp="1"/>
-          </p:cNvSpPr>
-          <p:nvPr>
-            <p:ph idx="1"/>
-          </p:nvPr>
-        </p:nvSpPr>
-        <p:spPr>
-          <a:xfrm>
-            <a:off x="913795" y="1732450"/>
-            <a:ext cx="10353762" cy="970450"/>
-          </a:xfrm>
-        </p:spPr>
-        <p:txBody>
-          <a:bodyPr>
-            <a:normAutofit/>
-          </a:bodyPr>
-          <a:lstStyle/>
-          <a:p>
-            <a:pPr algn="ctr"/>
-            <a:r>
-              <a:rPr lang="ru-RU" sz="2400" dirty="0">
-                <a:latin typeface="Arial" panose="020B0604020202020204" pitchFamily="34" charset="0"/>
-                <a:ea typeface="Yu Gothic" panose="020B0400000000000000" pitchFamily="34" charset="-128"/>
-                <a:cs typeface="Arial" panose="020B0604020202020204" pitchFamily="34" charset="0"/>
-              </a:rPr>
-              <a:t>Разработать программу для генерации музыкальных мелодий</a:t>
-            </a:r>
-            <a:endParaRPr lang="LID4096" sz="2400" dirty="0">
-              <a:latin typeface="Arial" panose="020B0604020202020204" pitchFamily="34" charset="0"/>
-              <a:ea typeface="Yu Gothic" panose="020B0400000000000000" pitchFamily="34" charset="-128"/>
-              <a:cs typeface="Arial" panose="020B0604020202020204" pitchFamily="34" charset="0"/>
-            </a:endParaRPr>
-          </a:p>
-        </p:txBody>
-      </p:sp>
-    </p:spTree>
-    <p:extLst>
-      <p:ext uri="{BB962C8B-B14F-4D97-AF65-F5344CB8AC3E}">
-        <p14:creationId xmlns:p14="http://schemas.microsoft.com/office/powerpoint/2010/main" val="1415904848"/>
-      </p:ext>
-    </p:extLst>
-  </p:cSld>
-  <p:clrMapOvr>
-    <a:masterClrMapping/>
-  </p:clrMapOvr>
-</p:sld>
-</file>
-
-<file path=ppt/slides/slide4.xml><?xml version="1.0" encoding="utf-8"?>
-<p:sld xmlns:a="http://schemas.openxmlformats.org/drawingml/2006/main" xmlns:r="http://schemas.openxmlformats.org/officeDocument/2006/relationships" xmlns:p="http://schemas.openxmlformats.org/presentationml/2006/main">
-  <p:cSld>
-    <p:spTree>
-      <p:nvGrpSpPr>
-        <p:cNvPr id="1" name=""/>
-        <p:cNvGrpSpPr/>
-        <p:nvPr/>
-      </p:nvGrpSpPr>
-      <p:grpSpPr>
-        <a:xfrm>
-          <a:off x="0" y="0"/>
-          <a:ext cx="0" cy="0"/>
-          <a:chOff x="0" y="0"/>
-          <a:chExt cx="0" cy="0"/>
-        </a:xfrm>
-      </p:grpSpPr>
-      <p:sp>
-        <p:nvSpPr>
-          <p:cNvPr id="2" name="Title 1">
-            <a:extLst>
-              <a:ext uri="{FF2B5EF4-FFF2-40B4-BE49-F238E27FC236}">
                 <a16:creationId xmlns:a16="http://schemas.microsoft.com/office/drawing/2014/main" id="{67C34F61-0FB0-4DD5-AC4D-140305FB5229}"/>
               </a:ext>
             </a:extLst>
@@ -10699,7 +10549,7 @@
               <a:buNone/>
             </a:pPr>
             <a:r>
-              <a:rPr lang="ru-RU" dirty="0">
+              <a:rPr lang="ru-RU" sz="2400" dirty="0">
                 <a:latin typeface="Arial" panose="020B0604020202020204" pitchFamily="34" charset="0"/>
                 <a:cs typeface="Arial" panose="020B0604020202020204" pitchFamily="34" charset="0"/>
               </a:rPr>
@@ -10711,7 +10561,7 @@
               <a:buNone/>
             </a:pPr>
             <a:r>
-              <a:rPr lang="ru-RU" dirty="0">
+              <a:rPr lang="ru-RU" sz="2400" dirty="0">
                 <a:latin typeface="Arial" panose="020B0604020202020204" pitchFamily="34" charset="0"/>
                 <a:cs typeface="Arial" panose="020B0604020202020204" pitchFamily="34" charset="0"/>
               </a:rPr>
@@ -10723,7 +10573,7 @@
               <a:buNone/>
             </a:pPr>
             <a:r>
-              <a:rPr lang="ru-RU" dirty="0">
+              <a:rPr lang="ru-RU" sz="2400" dirty="0">
                 <a:latin typeface="Arial" panose="020B0604020202020204" pitchFamily="34" charset="0"/>
                 <a:cs typeface="Arial" panose="020B0604020202020204" pitchFamily="34" charset="0"/>
               </a:rPr>
@@ -10735,7 +10585,7 @@
               <a:buNone/>
             </a:pPr>
             <a:r>
-              <a:rPr lang="ru-RU" dirty="0">
+              <a:rPr lang="ru-RU" sz="2400" dirty="0">
                 <a:latin typeface="Arial" panose="020B0604020202020204" pitchFamily="34" charset="0"/>
                 <a:cs typeface="Arial" panose="020B0604020202020204" pitchFamily="34" charset="0"/>
               </a:rPr>
@@ -10747,7 +10597,7 @@
               <a:buNone/>
             </a:pPr>
             <a:r>
-              <a:rPr lang="ru-RU" dirty="0">
+              <a:rPr lang="ru-RU" sz="2400" dirty="0">
                 <a:latin typeface="Arial" panose="020B0604020202020204" pitchFamily="34" charset="0"/>
                 <a:cs typeface="Arial" panose="020B0604020202020204" pitchFamily="34" charset="0"/>
               </a:rPr>
@@ -10759,7 +10609,7 @@
               <a:buNone/>
             </a:pPr>
             <a:r>
-              <a:rPr lang="ru-RU" dirty="0">
+              <a:rPr lang="ru-RU" sz="2400" dirty="0">
                 <a:latin typeface="Arial" panose="020B0604020202020204" pitchFamily="34" charset="0"/>
                 <a:cs typeface="Arial" panose="020B0604020202020204" pitchFamily="34" charset="0"/>
               </a:rPr>
@@ -10790,7 +10640,7 @@
 </p:sld>
 </file>
 
-<file path=ppt/slides/slide5.xml><?xml version="1.0" encoding="utf-8"?>
+<file path=ppt/slides/slide4.xml><?xml version="1.0" encoding="utf-8"?>
 <p:sld xmlns:a="http://schemas.openxmlformats.org/drawingml/2006/main" xmlns:r="http://schemas.openxmlformats.org/officeDocument/2006/relationships" xmlns:p="http://schemas.openxmlformats.org/presentationml/2006/main">
   <p:cSld>
     <p:spTree>
@@ -10868,28 +10718,79 @@
         </p:nvSpPr>
         <p:spPr/>
         <p:txBody>
-          <a:bodyPr/>
+          <a:bodyPr>
+            <a:normAutofit/>
+          </a:bodyPr>
           <a:lstStyle/>
           <a:p>
-            <a:pPr marL="494100" indent="-457200">
+            <a:pPr marL="36900" indent="0">
               <a:buSzPct val="100000"/>
-              <a:buFont typeface="+mj-lt"/>
-              <a:buAutoNum type="arabicParenR"/>
+              <a:buNone/>
             </a:pPr>
+            <a:r>
+              <a:rPr lang="en-US" dirty="0">
+                <a:latin typeface="Arial" panose="020B0604020202020204" pitchFamily="34" charset="0"/>
+                <a:cs typeface="Arial" panose="020B0604020202020204" pitchFamily="34" charset="0"/>
+              </a:rPr>
+              <a:t>1) </a:t>
+            </a:r>
             <a:r>
               <a:rPr lang="ru-RU" dirty="0">
                 <a:latin typeface="Arial" panose="020B0604020202020204" pitchFamily="34" charset="0"/>
                 <a:cs typeface="Arial" panose="020B0604020202020204" pitchFamily="34" charset="0"/>
               </a:rPr>
-              <a:t>Алгоритмы случайного поиска. Лучший вариант, благодаря своей простоте и нетребовательности к производительности компьютера.</a:t>
-            </a:r>
-          </a:p>
-          <a:p>
-            <a:pPr marL="494100" indent="-457200">
+              <a:t>Алгоритмы случайного поиска. Лучший вариант, благодаря своей простоте</a:t>
+            </a:r>
+            <a:br>
+              <a:rPr lang="en-US" dirty="0">
+                <a:latin typeface="Arial" panose="020B0604020202020204" pitchFamily="34" charset="0"/>
+                <a:cs typeface="Arial" panose="020B0604020202020204" pitchFamily="34" charset="0"/>
+              </a:rPr>
+            </a:br>
+            <a:r>
+              <a:rPr lang="ru-RU" dirty="0">
+                <a:latin typeface="Arial" panose="020B0604020202020204" pitchFamily="34" charset="0"/>
+                <a:cs typeface="Arial" panose="020B0604020202020204" pitchFamily="34" charset="0"/>
+              </a:rPr>
+              <a:t>и нетребовательности к производительности компьютера.</a:t>
+            </a:r>
+            <a:endParaRPr lang="en-US" dirty="0">
+              <a:latin typeface="Arial" panose="020B0604020202020204" pitchFamily="34" charset="0"/>
+              <a:cs typeface="Arial" panose="020B0604020202020204" pitchFamily="34" charset="0"/>
+            </a:endParaRPr>
+          </a:p>
+          <a:p>
+            <a:pPr marL="36900" indent="0">
               <a:buSzPct val="100000"/>
-              <a:buFont typeface="+mj-lt"/>
-              <a:buAutoNum type="arabicParenR"/>
+              <a:buNone/>
             </a:pPr>
+            <a:endParaRPr lang="en-US" dirty="0">
+              <a:latin typeface="Arial" panose="020B0604020202020204" pitchFamily="34" charset="0"/>
+              <a:cs typeface="Arial" panose="020B0604020202020204" pitchFamily="34" charset="0"/>
+            </a:endParaRPr>
+          </a:p>
+          <a:p>
+            <a:pPr marL="36900" indent="0">
+              <a:buSzPct val="100000"/>
+              <a:buNone/>
+            </a:pPr>
+            <a:endParaRPr lang="en-US" dirty="0">
+              <a:latin typeface="Arial" panose="020B0604020202020204" pitchFamily="34" charset="0"/>
+              <a:cs typeface="Arial" panose="020B0604020202020204" pitchFamily="34" charset="0"/>
+            </a:endParaRPr>
+          </a:p>
+          <a:p>
+            <a:pPr marL="36900" indent="0">
+              <a:buSzPct val="100000"/>
+              <a:buNone/>
+            </a:pPr>
+            <a:r>
+              <a:rPr lang="en-US" dirty="0">
+                <a:latin typeface="Arial" panose="020B0604020202020204" pitchFamily="34" charset="0"/>
+                <a:cs typeface="Arial" panose="020B0604020202020204" pitchFamily="34" charset="0"/>
+              </a:rPr>
+              <a:t>2) </a:t>
+            </a:r>
             <a:r>
               <a:rPr lang="ru-RU" dirty="0">
                 <a:latin typeface="Arial" panose="020B0604020202020204" pitchFamily="34" charset="0"/>
@@ -10897,23 +10798,174 @@
               </a:rPr>
               <a:t>Генетические алгоритмы. Недостатки: сложность создания.</a:t>
             </a:r>
-          </a:p>
-          <a:p>
-            <a:pPr marL="494100" indent="-457200">
+            <a:endParaRPr lang="en-US" dirty="0">
+              <a:latin typeface="Arial" panose="020B0604020202020204" pitchFamily="34" charset="0"/>
+              <a:cs typeface="Arial" panose="020B0604020202020204" pitchFamily="34" charset="0"/>
+            </a:endParaRPr>
+          </a:p>
+          <a:p>
+            <a:pPr marL="36900" indent="0">
               <a:buSzPct val="100000"/>
-              <a:buFont typeface="+mj-lt"/>
-              <a:buAutoNum type="arabicParenR"/>
+              <a:buNone/>
             </a:pPr>
+            <a:endParaRPr lang="ru-RU" dirty="0">
+              <a:latin typeface="Arial" panose="020B0604020202020204" pitchFamily="34" charset="0"/>
+              <a:cs typeface="Arial" panose="020B0604020202020204" pitchFamily="34" charset="0"/>
+            </a:endParaRPr>
+          </a:p>
+          <a:p>
+            <a:pPr marL="36900" indent="0">
+              <a:buSzPct val="100000"/>
+              <a:buNone/>
+            </a:pPr>
+            <a:endParaRPr lang="en-US" dirty="0">
+              <a:latin typeface="Arial" panose="020B0604020202020204" pitchFamily="34" charset="0"/>
+              <a:cs typeface="Arial" panose="020B0604020202020204" pitchFamily="34" charset="0"/>
+            </a:endParaRPr>
+          </a:p>
+          <a:p>
+            <a:pPr marL="36900" indent="0">
+              <a:buSzPct val="100000"/>
+              <a:buNone/>
+            </a:pPr>
+            <a:r>
+              <a:rPr lang="en-US" dirty="0">
+                <a:latin typeface="Arial" panose="020B0604020202020204" pitchFamily="34" charset="0"/>
+                <a:cs typeface="Arial" panose="020B0604020202020204" pitchFamily="34" charset="0"/>
+              </a:rPr>
+              <a:t>3) </a:t>
+            </a:r>
             <a:r>
               <a:rPr lang="ru-RU" dirty="0">
                 <a:latin typeface="Arial" panose="020B0604020202020204" pitchFamily="34" charset="0"/>
                 <a:cs typeface="Arial" panose="020B0604020202020204" pitchFamily="34" charset="0"/>
               </a:rPr>
-              <a:t>Искусственная нейронная сеть. Недостатки: очень высокая сложность создания и обслуживания.</a:t>
+              <a:t>Искусственная нейронная сеть. Недостатки: очень высокая сложность</a:t>
+            </a:r>
+            <a:br>
+              <a:rPr lang="en-US" dirty="0">
+                <a:latin typeface="Arial" panose="020B0604020202020204" pitchFamily="34" charset="0"/>
+                <a:cs typeface="Arial" panose="020B0604020202020204" pitchFamily="34" charset="0"/>
+              </a:rPr>
+            </a:br>
+            <a:r>
+              <a:rPr lang="ru-RU" dirty="0">
+                <a:latin typeface="Arial" panose="020B0604020202020204" pitchFamily="34" charset="0"/>
+                <a:cs typeface="Arial" panose="020B0604020202020204" pitchFamily="34" charset="0"/>
+              </a:rPr>
+              <a:t>создания и обслуживания.</a:t>
             </a:r>
           </a:p>
         </p:txBody>
       </p:sp>
+      <p:pic>
+        <p:nvPicPr>
+          <p:cNvPr id="5" name="Picture 4">
+            <a:extLst>
+              <a:ext uri="{FF2B5EF4-FFF2-40B4-BE49-F238E27FC236}">
+                <a16:creationId xmlns:a16="http://schemas.microsoft.com/office/drawing/2014/main" id="{B7B6955A-7291-429D-90AD-77C3C74A38ED}"/>
+              </a:ext>
+            </a:extLst>
+          </p:cNvPr>
+          <p:cNvPicPr>
+            <a:picLocks noChangeAspect="1"/>
+          </p:cNvPicPr>
+          <p:nvPr/>
+        </p:nvPicPr>
+        <p:blipFill>
+          <a:blip r:embed="rId2">
+            <a:extLst>
+              <a:ext uri="{28A0092B-C50C-407E-A947-70E740481C1C}">
+                <a14:useLocalDpi xmlns:a14="http://schemas.microsoft.com/office/drawing/2010/main" val="0"/>
+              </a:ext>
+            </a:extLst>
+          </a:blip>
+          <a:stretch>
+            <a:fillRect/>
+          </a:stretch>
+        </p:blipFill>
+        <p:spPr>
+          <a:xfrm>
+            <a:off x="10682249" y="1732449"/>
+            <a:ext cx="1170615" cy="1170615"/>
+          </a:xfrm>
+          <a:prstGeom prst="rect">
+            <a:avLst/>
+          </a:prstGeom>
+        </p:spPr>
+      </p:pic>
+      <p:pic>
+        <p:nvPicPr>
+          <p:cNvPr id="9" name="Picture 8">
+            <a:extLst>
+              <a:ext uri="{FF2B5EF4-FFF2-40B4-BE49-F238E27FC236}">
+                <a16:creationId xmlns:a16="http://schemas.microsoft.com/office/drawing/2014/main" id="{7807B2BD-9C7F-4501-82F7-FA9CBE4551A7}"/>
+              </a:ext>
+            </a:extLst>
+          </p:cNvPr>
+          <p:cNvPicPr>
+            <a:picLocks noChangeAspect="1"/>
+          </p:cNvPicPr>
+          <p:nvPr/>
+        </p:nvPicPr>
+        <p:blipFill>
+          <a:blip r:embed="rId3">
+            <a:extLst>
+              <a:ext uri="{28A0092B-C50C-407E-A947-70E740481C1C}">
+                <a14:useLocalDpi xmlns:a14="http://schemas.microsoft.com/office/drawing/2010/main" val="0"/>
+              </a:ext>
+            </a:extLst>
+          </a:blip>
+          <a:stretch>
+            <a:fillRect/>
+          </a:stretch>
+        </p:blipFill>
+        <p:spPr>
+          <a:xfrm>
+            <a:off x="10682249" y="3268290"/>
+            <a:ext cx="1141545" cy="1141545"/>
+          </a:xfrm>
+          <a:prstGeom prst="rect">
+            <a:avLst/>
+          </a:prstGeom>
+        </p:spPr>
+      </p:pic>
+      <p:pic>
+        <p:nvPicPr>
+          <p:cNvPr id="11" name="Picture 10">
+            <a:extLst>
+              <a:ext uri="{FF2B5EF4-FFF2-40B4-BE49-F238E27FC236}">
+                <a16:creationId xmlns:a16="http://schemas.microsoft.com/office/drawing/2014/main" id="{6C4D3369-148C-4105-9DE3-EE836F86AF43}"/>
+              </a:ext>
+            </a:extLst>
+          </p:cNvPr>
+          <p:cNvPicPr>
+            <a:picLocks noChangeAspect="1"/>
+          </p:cNvPicPr>
+          <p:nvPr/>
+        </p:nvPicPr>
+        <p:blipFill>
+          <a:blip r:embed="rId4">
+            <a:extLst>
+              <a:ext uri="{28A0092B-C50C-407E-A947-70E740481C1C}">
+                <a14:useLocalDpi xmlns:a14="http://schemas.microsoft.com/office/drawing/2010/main" val="0"/>
+              </a:ext>
+            </a:extLst>
+          </a:blip>
+          <a:stretch>
+            <a:fillRect/>
+          </a:stretch>
+        </p:blipFill>
+        <p:spPr>
+          <a:xfrm>
+            <a:off x="10182386" y="4862505"/>
+            <a:ext cx="2141269" cy="1191663"/>
+          </a:xfrm>
+          <a:prstGeom prst="rect">
+            <a:avLst/>
+          </a:prstGeom>
+        </p:spPr>
+      </p:pic>
     </p:spTree>
     <p:extLst>
       <p:ext uri="{BB962C8B-B14F-4D97-AF65-F5344CB8AC3E}">
@@ -10927,7 +10979,7 @@
 </p:sld>
 </file>
 
-<file path=ppt/slides/slide6.xml><?xml version="1.0" encoding="utf-8"?>
+<file path=ppt/slides/slide5.xml><?xml version="1.0" encoding="utf-8"?>
 <p:sld xmlns:a="http://schemas.openxmlformats.org/drawingml/2006/main" xmlns:r="http://schemas.openxmlformats.org/officeDocument/2006/relationships" xmlns:p="http://schemas.openxmlformats.org/presentationml/2006/main">
   <p:cSld>
     <p:spTree>
@@ -11493,7 +11545,7 @@
 </p:sld>
 </file>
 
-<file path=ppt/slides/slide7.xml><?xml version="1.0" encoding="utf-8"?>
+<file path=ppt/slides/slide6.xml><?xml version="1.0" encoding="utf-8"?>
 <p:sld xmlns:a="http://schemas.openxmlformats.org/drawingml/2006/main" xmlns:r="http://schemas.openxmlformats.org/officeDocument/2006/relationships" xmlns:p="http://schemas.openxmlformats.org/presentationml/2006/main">
   <p:cSld>
     <p:spTree>
@@ -11626,7 +11678,7 @@
 </p:sld>
 </file>
 
-<file path=ppt/slides/slide8.xml><?xml version="1.0" encoding="utf-8"?>
+<file path=ppt/slides/slide7.xml><?xml version="1.0" encoding="utf-8"?>
 <p:sld xmlns:a="http://schemas.openxmlformats.org/drawingml/2006/main" xmlns:r="http://schemas.openxmlformats.org/officeDocument/2006/relationships" xmlns:p="http://schemas.openxmlformats.org/presentationml/2006/main">
   <p:cSld>
     <p:spTree>
@@ -11811,7 +11863,7 @@
 </p:sld>
 </file>
 
-<file path=ppt/slides/slide9.xml><?xml version="1.0" encoding="utf-8"?>
+<file path=ppt/slides/slide8.xml><?xml version="1.0" encoding="utf-8"?>
 <p:sld xmlns:a="http://schemas.openxmlformats.org/drawingml/2006/main" xmlns:r="http://schemas.openxmlformats.org/officeDocument/2006/relationships" xmlns:p="http://schemas.openxmlformats.org/presentationml/2006/main">
   <p:cSld>
     <p:spTree>
@@ -11925,6 +11977,86 @@
     <p:extLst>
       <p:ext uri="{BB962C8B-B14F-4D97-AF65-F5344CB8AC3E}">
         <p14:creationId xmlns:p14="http://schemas.microsoft.com/office/powerpoint/2010/main" val="2557352561"/>
+      </p:ext>
+    </p:extLst>
+  </p:cSld>
+  <p:clrMapOvr>
+    <a:masterClrMapping/>
+  </p:clrMapOvr>
+</p:sld>
+</file>
+
+<file path=ppt/slides/slide9.xml><?xml version="1.0" encoding="utf-8"?>
+<p:sld xmlns:a="http://schemas.openxmlformats.org/drawingml/2006/main" xmlns:r="http://schemas.openxmlformats.org/officeDocument/2006/relationships" xmlns:p="http://schemas.openxmlformats.org/presentationml/2006/main">
+  <p:cSld>
+    <p:spTree>
+      <p:nvGrpSpPr>
+        <p:cNvPr id="1" name=""/>
+        <p:cNvGrpSpPr/>
+        <p:nvPr/>
+      </p:nvGrpSpPr>
+      <p:grpSpPr>
+        <a:xfrm>
+          <a:off x="0" y="0"/>
+          <a:ext cx="0" cy="0"/>
+          <a:chOff x="0" y="0"/>
+          <a:chExt cx="0" cy="0"/>
+        </a:xfrm>
+      </p:grpSpPr>
+      <p:sp>
+        <p:nvSpPr>
+          <p:cNvPr id="2" name="Title 1">
+            <a:extLst>
+              <a:ext uri="{FF2B5EF4-FFF2-40B4-BE49-F238E27FC236}">
+                <a16:creationId xmlns:a16="http://schemas.microsoft.com/office/drawing/2014/main" id="{EADA57F4-0869-4202-A3CE-DC40AE80E829}"/>
+              </a:ext>
+            </a:extLst>
+          </p:cNvPr>
+          <p:cNvSpPr>
+            <a:spLocks noGrp="1"/>
+          </p:cNvSpPr>
+          <p:nvPr>
+            <p:ph type="title"/>
+          </p:nvPr>
+        </p:nvSpPr>
+        <p:spPr>
+          <a:xfrm>
+            <a:off x="919119" y="2943775"/>
+            <a:ext cx="10353762" cy="970450"/>
+          </a:xfrm>
+        </p:spPr>
+        <p:txBody>
+          <a:bodyPr>
+            <a:noAutofit/>
+          </a:bodyPr>
+          <a:lstStyle/>
+          <a:p>
+            <a:r>
+              <a:rPr lang="ru-RU" sz="6000" dirty="0">
+                <a:solidFill>
+                  <a:schemeClr val="accent6">
+                    <a:lumMod val="40000"/>
+                    <a:lumOff val="60000"/>
+                  </a:schemeClr>
+                </a:solidFill>
+              </a:rPr>
+              <a:t>Спасибо за внимание!</a:t>
+            </a:r>
+            <a:endParaRPr lang="LID4096" sz="6000" dirty="0">
+              <a:solidFill>
+                <a:schemeClr val="accent6">
+                  <a:lumMod val="40000"/>
+                  <a:lumOff val="60000"/>
+                </a:schemeClr>
+              </a:solidFill>
+            </a:endParaRPr>
+          </a:p>
+        </p:txBody>
+      </p:sp>
+    </p:spTree>
+    <p:extLst>
+      <p:ext uri="{BB962C8B-B14F-4D97-AF65-F5344CB8AC3E}">
+        <p14:creationId xmlns:p14="http://schemas.microsoft.com/office/powerpoint/2010/main" val="649078657"/>
       </p:ext>
     </p:extLst>
   </p:cSld>

--- a/Программа_Генерирующая_Музыку_ИП_Фрик_Евгений_2022.pptx
+++ b/Программа_Генерирующая_Музыку_ИП_Фрик_Евгений_2022.pptx
@@ -12,8 +12,9 @@
     <p:sldId id="260" r:id="rId6"/>
     <p:sldId id="264" r:id="rId7"/>
     <p:sldId id="262" r:id="rId8"/>
-    <p:sldId id="265" r:id="rId9"/>
-    <p:sldId id="267" r:id="rId10"/>
+    <p:sldId id="268" r:id="rId9"/>
+    <p:sldId id="265" r:id="rId10"/>
+    <p:sldId id="267" r:id="rId11"/>
   </p:sldIdLst>
   <p:sldSz cx="12192000" cy="6858000"/>
   <p:notesSz cx="6858000" cy="9144000"/>
@@ -1072,7 +1073,7 @@
         <a:p>
           <a:r>
             <a:rPr lang="ru-RU" dirty="0"/>
-            <a:t>Генерация на основе введённых данных по ритмическим рисункам</a:t>
+            <a:t>Генерация нот на основе введённых данных по ритмическим рисункам</a:t>
           </a:r>
         </a:p>
       </dgm:t>
@@ -1628,12 +1629,12 @@
         </a:fontRef>
       </dsp:style>
       <dsp:txBody>
-        <a:bodyPr spcFirstLastPara="0" vert="horz" wrap="square" lIns="8890" tIns="8890" rIns="8890" bIns="8890" numCol="1" spcCol="1270" anchor="ctr" anchorCtr="0">
+        <a:bodyPr spcFirstLastPara="0" vert="horz" wrap="square" lIns="8255" tIns="8255" rIns="8255" bIns="8255" numCol="1" spcCol="1270" anchor="ctr" anchorCtr="0">
           <a:noAutofit/>
         </a:bodyPr>
         <a:lstStyle/>
         <a:p>
-          <a:pPr marL="0" lvl="0" indent="0" algn="ctr" defTabSz="622300">
+          <a:pPr marL="0" lvl="0" indent="0" algn="ctr" defTabSz="577850">
             <a:lnSpc>
               <a:spcPct val="90000"/>
             </a:lnSpc>
@@ -1646,7 +1647,7 @@
             <a:buNone/>
           </a:pPr>
           <a:r>
-            <a:rPr lang="ru-RU" sz="1400" kern="1200" dirty="0"/>
+            <a:rPr lang="ru-RU" sz="1300" kern="1200" dirty="0"/>
             <a:t>Ввод данных пользователем</a:t>
           </a:r>
         </a:p>
@@ -1693,12 +1694,12 @@
         </a:fontRef>
       </dsp:style>
       <dsp:txBody>
-        <a:bodyPr spcFirstLastPara="0" vert="horz" wrap="square" lIns="8890" tIns="8890" rIns="8890" bIns="8890" numCol="1" spcCol="1270" anchor="ctr" anchorCtr="0">
+        <a:bodyPr spcFirstLastPara="0" vert="horz" wrap="square" lIns="8255" tIns="8255" rIns="8255" bIns="8255" numCol="1" spcCol="1270" anchor="ctr" anchorCtr="0">
           <a:noAutofit/>
         </a:bodyPr>
         <a:lstStyle/>
         <a:p>
-          <a:pPr marL="0" lvl="0" indent="0" algn="ctr" defTabSz="622300">
+          <a:pPr marL="0" lvl="0" indent="0" algn="ctr" defTabSz="577850">
             <a:lnSpc>
               <a:spcPct val="90000"/>
             </a:lnSpc>
@@ -1711,7 +1712,7 @@
             <a:buNone/>
           </a:pPr>
           <a:r>
-            <a:rPr lang="ru-RU" sz="1400" kern="1200" dirty="0"/>
+            <a:rPr lang="ru-RU" sz="1300" kern="1200" dirty="0"/>
             <a:t>Генерация случайных нот по введённым данным</a:t>
           </a:r>
         </a:p>
@@ -1770,12 +1771,12 @@
         </a:fontRef>
       </dsp:style>
       <dsp:txBody>
-        <a:bodyPr spcFirstLastPara="0" vert="horz" wrap="square" lIns="8890" tIns="8890" rIns="8890" bIns="8890" numCol="1" spcCol="1270" anchor="ctr" anchorCtr="0">
+        <a:bodyPr spcFirstLastPara="0" vert="horz" wrap="square" lIns="8255" tIns="8255" rIns="8255" bIns="8255" numCol="1" spcCol="1270" anchor="ctr" anchorCtr="0">
           <a:noAutofit/>
         </a:bodyPr>
         <a:lstStyle/>
         <a:p>
-          <a:pPr marL="0" lvl="0" indent="0" algn="ctr" defTabSz="622300">
+          <a:pPr marL="0" lvl="0" indent="0" algn="ctr" defTabSz="577850">
             <a:lnSpc>
               <a:spcPct val="90000"/>
             </a:lnSpc>
@@ -1788,14 +1789,14 @@
             <a:buNone/>
           </a:pPr>
           <a:r>
-            <a:rPr lang="ru-RU" sz="1400" kern="1200" dirty="0"/>
+            <a:rPr lang="ru-RU" sz="1300" kern="1200" dirty="0"/>
             <a:t>Упаковка результата в формат</a:t>
           </a:r>
           <a:r>
-            <a:rPr lang="en-US" sz="1400" kern="1200" dirty="0"/>
+            <a:rPr lang="en-US" sz="1300" kern="1200" dirty="0"/>
             <a:t> midi</a:t>
           </a:r>
-          <a:endParaRPr lang="ru-RU" sz="1400" kern="1200" dirty="0"/>
+          <a:endParaRPr lang="ru-RU" sz="1300" kern="1200" dirty="0"/>
         </a:p>
       </dsp:txBody>
       <dsp:txXfrm>
@@ -1852,12 +1853,12 @@
         </a:fontRef>
       </dsp:style>
       <dsp:txBody>
-        <a:bodyPr spcFirstLastPara="0" vert="horz" wrap="square" lIns="8890" tIns="8890" rIns="8890" bIns="8890" numCol="1" spcCol="1270" anchor="ctr" anchorCtr="0">
+        <a:bodyPr spcFirstLastPara="0" vert="horz" wrap="square" lIns="8255" tIns="8255" rIns="8255" bIns="8255" numCol="1" spcCol="1270" anchor="ctr" anchorCtr="0">
           <a:noAutofit/>
         </a:bodyPr>
         <a:lstStyle/>
         <a:p>
-          <a:pPr marL="0" lvl="0" indent="0" algn="ctr" defTabSz="622300">
+          <a:pPr marL="0" lvl="0" indent="0" algn="ctr" defTabSz="577850">
             <a:lnSpc>
               <a:spcPct val="90000"/>
             </a:lnSpc>
@@ -1870,7 +1871,7 @@
             <a:buNone/>
           </a:pPr>
           <a:r>
-            <a:rPr lang="ru-RU" sz="1400" kern="1200" dirty="0"/>
+            <a:rPr lang="ru-RU" sz="1300" kern="1200" dirty="0"/>
             <a:t>Готовый продукт - мелодия</a:t>
           </a:r>
         </a:p>
@@ -1922,12 +1923,12 @@
         </a:fontRef>
       </dsp:style>
       <dsp:txBody>
-        <a:bodyPr spcFirstLastPara="0" vert="horz" wrap="square" lIns="8890" tIns="8890" rIns="8890" bIns="8890" numCol="1" spcCol="1270" anchor="ctr" anchorCtr="0">
+        <a:bodyPr spcFirstLastPara="0" vert="horz" wrap="square" lIns="8255" tIns="8255" rIns="8255" bIns="8255" numCol="1" spcCol="1270" anchor="ctr" anchorCtr="0">
           <a:noAutofit/>
         </a:bodyPr>
         <a:lstStyle/>
         <a:p>
-          <a:pPr marL="0" lvl="0" indent="0" algn="ctr" defTabSz="622300">
+          <a:pPr marL="0" lvl="0" indent="0" algn="ctr" defTabSz="577850">
             <a:lnSpc>
               <a:spcPct val="90000"/>
             </a:lnSpc>
@@ -1940,8 +1941,8 @@
             <a:buNone/>
           </a:pPr>
           <a:r>
-            <a:rPr lang="ru-RU" sz="1400" kern="1200" dirty="0"/>
-            <a:t>Генерация на основе введённых данных по ритмическим рисункам</a:t>
+            <a:rPr lang="ru-RU" sz="1300" kern="1200" dirty="0"/>
+            <a:t>Генерация нот на основе введённых данных по ритмическим рисункам</a:t>
           </a:r>
         </a:p>
       </dsp:txBody>
@@ -4319,7 +4320,7 @@
           <a:p>
             <a:fld id="{5E67E974-B87B-4BF9-B423-9748DE2F3944}" type="datetimeFigureOut">
               <a:rPr lang="LID4096" smtClean="0"/>
-              <a:t>12/22/2022</a:t>
+              <a:t>05/18/2023</a:t>
             </a:fld>
             <a:endParaRPr lang="LID4096"/>
           </a:p>
@@ -4617,7 +4618,7 @@
           <a:p>
             <a:fld id="{5E67E974-B87B-4BF9-B423-9748DE2F3944}" type="datetimeFigureOut">
               <a:rPr lang="LID4096" smtClean="0"/>
-              <a:t>12/22/2022</a:t>
+              <a:t>05/18/2023</a:t>
             </a:fld>
             <a:endParaRPr lang="LID4096"/>
           </a:p>
@@ -4809,7 +4810,7 @@
           <a:p>
             <a:fld id="{5E67E974-B87B-4BF9-B423-9748DE2F3944}" type="datetimeFigureOut">
               <a:rPr lang="LID4096" smtClean="0"/>
-              <a:t>12/22/2022</a:t>
+              <a:t>05/18/2023</a:t>
             </a:fld>
             <a:endParaRPr lang="LID4096"/>
           </a:p>
@@ -5070,7 +5071,7 @@
           <a:p>
             <a:fld id="{5E67E974-B87B-4BF9-B423-9748DE2F3944}" type="datetimeFigureOut">
               <a:rPr lang="LID4096" smtClean="0"/>
-              <a:t>12/22/2022</a:t>
+              <a:t>05/18/2023</a:t>
             </a:fld>
             <a:endParaRPr lang="LID4096"/>
           </a:p>
@@ -5494,7 +5495,7 @@
           <a:p>
             <a:fld id="{5E67E974-B87B-4BF9-B423-9748DE2F3944}" type="datetimeFigureOut">
               <a:rPr lang="LID4096" smtClean="0"/>
-              <a:t>12/22/2022</a:t>
+              <a:t>05/18/2023</a:t>
             </a:fld>
             <a:endParaRPr lang="LID4096"/>
           </a:p>
@@ -6031,7 +6032,7 @@
           <a:p>
             <a:fld id="{5E67E974-B87B-4BF9-B423-9748DE2F3944}" type="datetimeFigureOut">
               <a:rPr lang="LID4096" smtClean="0"/>
-              <a:t>12/22/2022</a:t>
+              <a:t>05/18/2023</a:t>
             </a:fld>
             <a:endParaRPr lang="LID4096"/>
           </a:p>
@@ -6895,7 +6896,7 @@
           <a:p>
             <a:fld id="{5E67E974-B87B-4BF9-B423-9748DE2F3944}" type="datetimeFigureOut">
               <a:rPr lang="LID4096" smtClean="0"/>
-              <a:t>12/22/2022</a:t>
+              <a:t>05/18/2023</a:t>
             </a:fld>
             <a:endParaRPr lang="LID4096"/>
           </a:p>
@@ -7065,7 +7066,7 @@
           <a:p>
             <a:fld id="{5E67E974-B87B-4BF9-B423-9748DE2F3944}" type="datetimeFigureOut">
               <a:rPr lang="LID4096" smtClean="0"/>
-              <a:t>12/22/2022</a:t>
+              <a:t>05/18/2023</a:t>
             </a:fld>
             <a:endParaRPr lang="LID4096"/>
           </a:p>
@@ -7249,7 +7250,7 @@
           <a:p>
             <a:fld id="{5E67E974-B87B-4BF9-B423-9748DE2F3944}" type="datetimeFigureOut">
               <a:rPr lang="LID4096" smtClean="0"/>
-              <a:t>12/22/2022</a:t>
+              <a:t>05/18/2023</a:t>
             </a:fld>
             <a:endParaRPr lang="LID4096"/>
           </a:p>
@@ -7419,7 +7420,7 @@
           <a:p>
             <a:fld id="{5E67E974-B87B-4BF9-B423-9748DE2F3944}" type="datetimeFigureOut">
               <a:rPr lang="LID4096" smtClean="0"/>
-              <a:t>12/22/2022</a:t>
+              <a:t>05/18/2023</a:t>
             </a:fld>
             <a:endParaRPr lang="LID4096"/>
           </a:p>
@@ -7663,7 +7664,7 @@
           <a:p>
             <a:fld id="{5E67E974-B87B-4BF9-B423-9748DE2F3944}" type="datetimeFigureOut">
               <a:rPr lang="LID4096" smtClean="0"/>
-              <a:t>12/22/2022</a:t>
+              <a:t>05/18/2023</a:t>
             </a:fld>
             <a:endParaRPr lang="LID4096"/>
           </a:p>
@@ -7899,7 +7900,7 @@
           <a:p>
             <a:fld id="{5E67E974-B87B-4BF9-B423-9748DE2F3944}" type="datetimeFigureOut">
               <a:rPr lang="LID4096" smtClean="0"/>
-              <a:t>12/22/2022</a:t>
+              <a:t>05/18/2023</a:t>
             </a:fld>
             <a:endParaRPr lang="LID4096"/>
           </a:p>
@@ -8365,7 +8366,7 @@
           <a:p>
             <a:fld id="{5E67E974-B87B-4BF9-B423-9748DE2F3944}" type="datetimeFigureOut">
               <a:rPr lang="LID4096" smtClean="0"/>
-              <a:t>12/22/2022</a:t>
+              <a:t>05/18/2023</a:t>
             </a:fld>
             <a:endParaRPr lang="LID4096"/>
           </a:p>
@@ -8483,7 +8484,7 @@
           <a:p>
             <a:fld id="{5E67E974-B87B-4BF9-B423-9748DE2F3944}" type="datetimeFigureOut">
               <a:rPr lang="LID4096" smtClean="0"/>
-              <a:t>12/22/2022</a:t>
+              <a:t>05/18/2023</a:t>
             </a:fld>
             <a:endParaRPr lang="LID4096"/>
           </a:p>
@@ -8578,7 +8579,7 @@
           <a:p>
             <a:fld id="{5E67E974-B87B-4BF9-B423-9748DE2F3944}" type="datetimeFigureOut">
               <a:rPr lang="LID4096" smtClean="0"/>
-              <a:t>12/22/2022</a:t>
+              <a:t>05/18/2023</a:t>
             </a:fld>
             <a:endParaRPr lang="LID4096"/>
           </a:p>
@@ -8833,7 +8834,7 @@
           <a:p>
             <a:fld id="{5E67E974-B87B-4BF9-B423-9748DE2F3944}" type="datetimeFigureOut">
               <a:rPr lang="LID4096" smtClean="0"/>
-              <a:t>12/22/2022</a:t>
+              <a:t>05/18/2023</a:t>
             </a:fld>
             <a:endParaRPr lang="LID4096"/>
           </a:p>
@@ -9133,7 +9134,7 @@
           <a:p>
             <a:fld id="{5E67E974-B87B-4BF9-B423-9748DE2F3944}" type="datetimeFigureOut">
               <a:rPr lang="LID4096" smtClean="0"/>
-              <a:t>12/22/2022</a:t>
+              <a:t>05/18/2023</a:t>
             </a:fld>
             <a:endParaRPr lang="LID4096"/>
           </a:p>
@@ -9367,7 +9368,7 @@
           <a:p>
             <a:fld id="{5E67E974-B87B-4BF9-B423-9748DE2F3944}" type="datetimeFigureOut">
               <a:rPr lang="LID4096" smtClean="0"/>
-              <a:t>12/22/2022</a:t>
+              <a:t>05/18/2023</a:t>
             </a:fld>
             <a:endParaRPr lang="LID4096"/>
           </a:p>
@@ -10284,6 +10285,86 @@
 </p:sld>
 </file>
 
+<file path=ppt/slides/slide10.xml><?xml version="1.0" encoding="utf-8"?>
+<p:sld xmlns:a="http://schemas.openxmlformats.org/drawingml/2006/main" xmlns:r="http://schemas.openxmlformats.org/officeDocument/2006/relationships" xmlns:p="http://schemas.openxmlformats.org/presentationml/2006/main">
+  <p:cSld>
+    <p:spTree>
+      <p:nvGrpSpPr>
+        <p:cNvPr id="1" name=""/>
+        <p:cNvGrpSpPr/>
+        <p:nvPr/>
+      </p:nvGrpSpPr>
+      <p:grpSpPr>
+        <a:xfrm>
+          <a:off x="0" y="0"/>
+          <a:ext cx="0" cy="0"/>
+          <a:chOff x="0" y="0"/>
+          <a:chExt cx="0" cy="0"/>
+        </a:xfrm>
+      </p:grpSpPr>
+      <p:sp>
+        <p:nvSpPr>
+          <p:cNvPr id="2" name="Title 1">
+            <a:extLst>
+              <a:ext uri="{FF2B5EF4-FFF2-40B4-BE49-F238E27FC236}">
+                <a16:creationId xmlns:a16="http://schemas.microsoft.com/office/drawing/2014/main" id="{EADA57F4-0869-4202-A3CE-DC40AE80E829}"/>
+              </a:ext>
+            </a:extLst>
+          </p:cNvPr>
+          <p:cNvSpPr>
+            <a:spLocks noGrp="1"/>
+          </p:cNvSpPr>
+          <p:nvPr>
+            <p:ph type="title"/>
+          </p:nvPr>
+        </p:nvSpPr>
+        <p:spPr>
+          <a:xfrm>
+            <a:off x="919119" y="2943775"/>
+            <a:ext cx="10353762" cy="970450"/>
+          </a:xfrm>
+        </p:spPr>
+        <p:txBody>
+          <a:bodyPr>
+            <a:noAutofit/>
+          </a:bodyPr>
+          <a:lstStyle/>
+          <a:p>
+            <a:r>
+              <a:rPr lang="ru-RU" sz="6000" dirty="0">
+                <a:solidFill>
+                  <a:schemeClr val="accent6">
+                    <a:lumMod val="40000"/>
+                    <a:lumOff val="60000"/>
+                  </a:schemeClr>
+                </a:solidFill>
+              </a:rPr>
+              <a:t>Спасибо за внимание!</a:t>
+            </a:r>
+            <a:endParaRPr lang="LID4096" sz="6000" dirty="0">
+              <a:solidFill>
+                <a:schemeClr val="accent6">
+                  <a:lumMod val="40000"/>
+                  <a:lumOff val="60000"/>
+                </a:schemeClr>
+              </a:solidFill>
+            </a:endParaRPr>
+          </a:p>
+        </p:txBody>
+      </p:sp>
+    </p:spTree>
+    <p:extLst>
+      <p:ext uri="{BB962C8B-B14F-4D97-AF65-F5344CB8AC3E}">
+        <p14:creationId xmlns:p14="http://schemas.microsoft.com/office/powerpoint/2010/main" val="649078657"/>
+      </p:ext>
+    </p:extLst>
+  </p:cSld>
+  <p:clrMapOvr>
+    <a:masterClrMapping/>
+  </p:clrMapOvr>
+</p:sld>
+</file>
+
 <file path=ppt/slides/slide2.xml><?xml version="1.0" encoding="utf-8"?>
 <p:sld xmlns:a="http://schemas.openxmlformats.org/drawingml/2006/main" xmlns:r="http://schemas.openxmlformats.org/officeDocument/2006/relationships" xmlns:p="http://schemas.openxmlformats.org/presentationml/2006/main">
   <p:cSld>
@@ -10438,7 +10519,7 @@
         </p:blipFill>
         <p:spPr>
           <a:xfrm>
-            <a:off x="913795" y="4586197"/>
+            <a:off x="924443" y="4586197"/>
             <a:ext cx="2271803" cy="2271803"/>
           </a:xfrm>
           <a:prstGeom prst="rect">
@@ -10565,7 +10646,7 @@
                 <a:latin typeface="Arial" panose="020B0604020202020204" pitchFamily="34" charset="0"/>
                 <a:cs typeface="Arial" panose="020B0604020202020204" pitchFamily="34" charset="0"/>
               </a:rPr>
-              <a:t>2) Поиск необходимых библиотек и изучение музыкальной литературы</a:t>
+              <a:t>2) Поиск необходимых библиотек и изучение музыкальной теории</a:t>
             </a:r>
           </a:p>
           <a:p>
@@ -10613,7 +10694,7 @@
                 <a:latin typeface="Arial" panose="020B0604020202020204" pitchFamily="34" charset="0"/>
                 <a:cs typeface="Arial" panose="020B0604020202020204" pitchFamily="34" charset="0"/>
               </a:rPr>
-              <a:t>6) Разработать предложения по дальней</a:t>
+              <a:t>6) Разработать предложения по дальнейшей деятельности</a:t>
             </a:r>
           </a:p>
           <a:p>
@@ -11059,7 +11140,7 @@
           <p:nvPr>
             <p:extLst>
               <p:ext uri="{D42A27DB-BD31-4B8C-83A1-F6EECF244321}">
-                <p14:modId xmlns:p14="http://schemas.microsoft.com/office/powerpoint/2010/main" val="113565519"/>
+                <p14:modId xmlns:p14="http://schemas.microsoft.com/office/powerpoint/2010/main" val="3460541244"/>
               </p:ext>
             </p:extLst>
           </p:nvPr>
@@ -11607,10 +11688,10 @@
       </p:sp>
       <p:pic>
         <p:nvPicPr>
-          <p:cNvPr id="4" name="Picture 3">
+          <p:cNvPr id="7" name="Picture 6">
             <a:extLst>
               <a:ext uri="{FF2B5EF4-FFF2-40B4-BE49-F238E27FC236}">
-                <a16:creationId xmlns:a16="http://schemas.microsoft.com/office/drawing/2014/main" id="{0F3939AD-DC16-407A-9C05-1FA1D5176739}"/>
+                <a16:creationId xmlns:a16="http://schemas.microsoft.com/office/drawing/2014/main" id="{59398C19-C6EA-4857-B204-0835E485C900}"/>
               </a:ext>
             </a:extLst>
           </p:cNvPr>
@@ -11627,8 +11708,8 @@
         </p:blipFill>
         <p:spPr>
           <a:xfrm>
-            <a:off x="1266825" y="1817608"/>
-            <a:ext cx="2978296" cy="3222783"/>
+            <a:off x="1541535" y="2925162"/>
+            <a:ext cx="6579008" cy="3132468"/>
           </a:xfrm>
           <a:prstGeom prst="rect">
             <a:avLst/>
@@ -11637,10 +11718,10 @@
       </p:pic>
       <p:pic>
         <p:nvPicPr>
-          <p:cNvPr id="5" name="Picture 4">
+          <p:cNvPr id="8" name="Picture 7">
             <a:extLst>
               <a:ext uri="{FF2B5EF4-FFF2-40B4-BE49-F238E27FC236}">
-                <a16:creationId xmlns:a16="http://schemas.microsoft.com/office/drawing/2014/main" id="{9A441BFC-46FF-46F3-96B2-463A6C06CDE4}"/>
+                <a16:creationId xmlns:a16="http://schemas.microsoft.com/office/drawing/2014/main" id="{A58E496E-3EBB-4D12-B037-B33A086172C0}"/>
               </a:ext>
             </a:extLst>
           </p:cNvPr>
@@ -11657,8 +11738,8 @@
         </p:blipFill>
         <p:spPr>
           <a:xfrm>
-            <a:off x="6466853" y="1817608"/>
-            <a:ext cx="4458322" cy="4191585"/>
+            <a:off x="6758374" y="1601066"/>
+            <a:ext cx="2724338" cy="2648192"/>
           </a:xfrm>
           <a:prstGeom prst="rect">
             <a:avLst/>
@@ -11745,7 +11826,7 @@
           <p:nvPr>
             <p:extLst>
               <p:ext uri="{D42A27DB-BD31-4B8C-83A1-F6EECF244321}">
-                <p14:modId xmlns:p14="http://schemas.microsoft.com/office/powerpoint/2010/main" val="1647740494"/>
+                <p14:modId xmlns:p14="http://schemas.microsoft.com/office/powerpoint/2010/main" val="1211131242"/>
               </p:ext>
             </p:extLst>
           </p:nvPr>
@@ -11885,7 +11966,7 @@
           <p:cNvPr id="2" name="Title 1">
             <a:extLst>
               <a:ext uri="{FF2B5EF4-FFF2-40B4-BE49-F238E27FC236}">
-                <a16:creationId xmlns:a16="http://schemas.microsoft.com/office/drawing/2014/main" id="{6637240E-3AC0-4421-90F0-83CDBD15D72A}"/>
+                <a16:creationId xmlns:a16="http://schemas.microsoft.com/office/drawing/2014/main" id="{2CDAF845-EE81-4B4D-9074-D9FD4A5563EC}"/>
               </a:ext>
             </a:extLst>
           </p:cNvPr>
@@ -11905,78 +11986,244 @@
               <a:rPr lang="ru-RU" dirty="0">
                 <a:solidFill>
                   <a:schemeClr val="accent6">
-                    <a:lumMod val="20000"/>
-                    <a:lumOff val="80000"/>
+                    <a:lumMod val="40000"/>
+                    <a:lumOff val="60000"/>
                   </a:schemeClr>
                 </a:solidFill>
               </a:rPr>
-              <a:t>План дальнейшего развития проекта</a:t>
+              <a:t>Части кода программы</a:t>
             </a:r>
             <a:endParaRPr lang="LID4096" dirty="0">
               <a:solidFill>
                 <a:schemeClr val="accent6">
-                  <a:lumMod val="20000"/>
-                  <a:lumOff val="80000"/>
+                  <a:lumMod val="40000"/>
+                  <a:lumOff val="60000"/>
                 </a:schemeClr>
               </a:solidFill>
             </a:endParaRPr>
           </a:p>
         </p:txBody>
       </p:sp>
-      <p:sp>
-        <p:nvSpPr>
-          <p:cNvPr id="3" name="Content Placeholder 2">
+      <p:pic>
+        <p:nvPicPr>
+          <p:cNvPr id="4" name="Picture 3">
             <a:extLst>
               <a:ext uri="{FF2B5EF4-FFF2-40B4-BE49-F238E27FC236}">
-                <a16:creationId xmlns:a16="http://schemas.microsoft.com/office/drawing/2014/main" id="{1C5D765F-B244-42D1-866A-95E4EBE579E6}"/>
+                <a16:creationId xmlns:a16="http://schemas.microsoft.com/office/drawing/2014/main" id="{B60CE9E6-07D9-4C6C-AECA-7376C2DCEC02}"/>
               </a:ext>
             </a:extLst>
           </p:cNvPr>
-          <p:cNvSpPr>
-            <a:spLocks noGrp="1"/>
-          </p:cNvSpPr>
-          <p:nvPr>
-            <p:ph idx="1"/>
-          </p:nvPr>
-        </p:nvSpPr>
-        <p:spPr/>
-        <p:txBody>
-          <a:bodyPr>
-            <a:normAutofit/>
+          <p:cNvPicPr>
+            <a:picLocks noChangeAspect="1"/>
+          </p:cNvPicPr>
+          <p:nvPr/>
+        </p:nvPicPr>
+        <p:blipFill>
+          <a:blip r:embed="rId2"/>
+          <a:stretch>
+            <a:fillRect/>
+          </a:stretch>
+        </p:blipFill>
+        <p:spPr>
+          <a:xfrm>
+            <a:off x="2439737" y="1492616"/>
+            <a:ext cx="3331603" cy="2269448"/>
+          </a:xfrm>
+          <a:prstGeom prst="rect">
+            <a:avLst/>
+          </a:prstGeom>
+        </p:spPr>
+      </p:pic>
+      <p:sp>
+        <p:nvSpPr>
+          <p:cNvPr id="5" name="TextBox 4">
+            <a:extLst>
+              <a:ext uri="{FF2B5EF4-FFF2-40B4-BE49-F238E27FC236}">
+                <a16:creationId xmlns:a16="http://schemas.microsoft.com/office/drawing/2014/main" id="{BDEC41B5-03B7-4012-85F2-162F75AB88C5}"/>
+              </a:ext>
+            </a:extLst>
+          </p:cNvPr>
+          <p:cNvSpPr txBox="1"/>
+          <p:nvPr/>
+        </p:nvSpPr>
+        <p:spPr>
+          <a:xfrm>
+            <a:off x="3161778" y="3759518"/>
+            <a:ext cx="1887523" cy="261610"/>
+          </a:xfrm>
+          <a:prstGeom prst="rect">
+            <a:avLst/>
+          </a:prstGeom>
+          <a:noFill/>
+        </p:spPr>
+        <p:txBody>
+          <a:bodyPr wrap="square" rtlCol="0">
+            <a:spAutoFit/>
           </a:bodyPr>
           <a:lstStyle/>
           <a:p>
             <a:r>
-              <a:rPr lang="ru-RU" sz="2800" dirty="0"/>
-              <a:t>Дописать программу и оптимизировать её</a:t>
-            </a:r>
-          </a:p>
-          <a:p>
-            <a:r>
-              <a:rPr lang="ru-RU" sz="2800" dirty="0"/>
-              <a:t>Улучшить механизм генерации, возможно разработать генетический алгоритм для этой цели</a:t>
-            </a:r>
-          </a:p>
-          <a:p>
-            <a:r>
-              <a:rPr lang="ru-RU" sz="2800" dirty="0"/>
-              <a:t>Добавить новые параметры для более гибкой настройки генерации мелодии</a:t>
-            </a:r>
-            <a:endParaRPr lang="en-US" sz="2800" dirty="0"/>
-          </a:p>
-          <a:p>
-            <a:r>
-              <a:rPr lang="ru-RU" sz="2800" dirty="0"/>
-              <a:t>Сделать удобный и понятный интерфейс</a:t>
-            </a:r>
-            <a:endParaRPr lang="LID4096" sz="2800" dirty="0"/>
+              <a:rPr lang="ru-RU" sz="1100" dirty="0">
+                <a:latin typeface="Arial" panose="020B0604020202020204" pitchFamily="34" charset="0"/>
+                <a:cs typeface="Arial" panose="020B0604020202020204" pitchFamily="34" charset="0"/>
+              </a:rPr>
+              <a:t>Таблица тональностей</a:t>
+            </a:r>
+            <a:endParaRPr lang="LID4096" sz="1100" dirty="0">
+              <a:latin typeface="Arial" panose="020B0604020202020204" pitchFamily="34" charset="0"/>
+              <a:cs typeface="Arial" panose="020B0604020202020204" pitchFamily="34" charset="0"/>
+            </a:endParaRPr>
+          </a:p>
+        </p:txBody>
+      </p:sp>
+      <p:pic>
+        <p:nvPicPr>
+          <p:cNvPr id="6" name="Picture 5">
+            <a:extLst>
+              <a:ext uri="{FF2B5EF4-FFF2-40B4-BE49-F238E27FC236}">
+                <a16:creationId xmlns:a16="http://schemas.microsoft.com/office/drawing/2014/main" id="{8A4D33FB-5F62-4C57-BAF7-33835ACE4A06}"/>
+              </a:ext>
+            </a:extLst>
+          </p:cNvPr>
+          <p:cNvPicPr>
+            <a:picLocks noChangeAspect="1"/>
+          </p:cNvPicPr>
+          <p:nvPr/>
+        </p:nvPicPr>
+        <p:blipFill>
+          <a:blip r:embed="rId3"/>
+          <a:stretch>
+            <a:fillRect/>
+          </a:stretch>
+        </p:blipFill>
+        <p:spPr>
+          <a:xfrm>
+            <a:off x="2746375" y="4151933"/>
+            <a:ext cx="7198136" cy="2096467"/>
+          </a:xfrm>
+          <a:prstGeom prst="rect">
+            <a:avLst/>
+          </a:prstGeom>
+        </p:spPr>
+      </p:pic>
+      <p:sp>
+        <p:nvSpPr>
+          <p:cNvPr id="7" name="TextBox 6">
+            <a:extLst>
+              <a:ext uri="{FF2B5EF4-FFF2-40B4-BE49-F238E27FC236}">
+                <a16:creationId xmlns:a16="http://schemas.microsoft.com/office/drawing/2014/main" id="{149E7F44-A97A-4989-80F3-0A007738C415}"/>
+              </a:ext>
+            </a:extLst>
+          </p:cNvPr>
+          <p:cNvSpPr txBox="1"/>
+          <p:nvPr/>
+        </p:nvSpPr>
+        <p:spPr>
+          <a:xfrm>
+            <a:off x="4257681" y="6248400"/>
+            <a:ext cx="3665989" cy="261610"/>
+          </a:xfrm>
+          <a:prstGeom prst="rect">
+            <a:avLst/>
+          </a:prstGeom>
+          <a:noFill/>
+        </p:spPr>
+        <p:txBody>
+          <a:bodyPr wrap="square" rtlCol="0">
+            <a:spAutoFit/>
+          </a:bodyPr>
+          <a:lstStyle/>
+          <a:p>
+            <a:r>
+              <a:rPr lang="ru-RU" sz="1100" dirty="0">
+                <a:latin typeface="Arial" panose="020B0604020202020204" pitchFamily="34" charset="0"/>
+                <a:cs typeface="Arial" panose="020B0604020202020204" pitchFamily="34" charset="0"/>
+              </a:rPr>
+              <a:t>Генерация мелодии при выключенных паттернах</a:t>
+            </a:r>
+            <a:endParaRPr lang="LID4096" sz="1100" dirty="0">
+              <a:latin typeface="Arial" panose="020B0604020202020204" pitchFamily="34" charset="0"/>
+              <a:cs typeface="Arial" panose="020B0604020202020204" pitchFamily="34" charset="0"/>
+            </a:endParaRPr>
+          </a:p>
+        </p:txBody>
+      </p:sp>
+      <p:pic>
+        <p:nvPicPr>
+          <p:cNvPr id="8" name="Picture 7">
+            <a:extLst>
+              <a:ext uri="{FF2B5EF4-FFF2-40B4-BE49-F238E27FC236}">
+                <a16:creationId xmlns:a16="http://schemas.microsoft.com/office/drawing/2014/main" id="{8D201D6A-1B0F-4638-9684-B5361153086D}"/>
+              </a:ext>
+            </a:extLst>
+          </p:cNvPr>
+          <p:cNvPicPr>
+            <a:picLocks noChangeAspect="1"/>
+          </p:cNvPicPr>
+          <p:nvPr/>
+        </p:nvPicPr>
+        <p:blipFill>
+          <a:blip r:embed="rId4"/>
+          <a:stretch>
+            <a:fillRect/>
+          </a:stretch>
+        </p:blipFill>
+        <p:spPr>
+          <a:xfrm>
+            <a:off x="6616682" y="1972465"/>
+            <a:ext cx="3880750" cy="1255537"/>
+          </a:xfrm>
+          <a:prstGeom prst="rect">
+            <a:avLst/>
+          </a:prstGeom>
+        </p:spPr>
+      </p:pic>
+      <p:sp>
+        <p:nvSpPr>
+          <p:cNvPr id="9" name="TextBox 8">
+            <a:extLst>
+              <a:ext uri="{FF2B5EF4-FFF2-40B4-BE49-F238E27FC236}">
+                <a16:creationId xmlns:a16="http://schemas.microsoft.com/office/drawing/2014/main" id="{91A5B793-EDD2-4138-85C0-77DC1E8A80C3}"/>
+              </a:ext>
+            </a:extLst>
+          </p:cNvPr>
+          <p:cNvSpPr txBox="1"/>
+          <p:nvPr/>
+        </p:nvSpPr>
+        <p:spPr>
+          <a:xfrm>
+            <a:off x="7508147" y="3184168"/>
+            <a:ext cx="2927758" cy="261610"/>
+          </a:xfrm>
+          <a:prstGeom prst="rect">
+            <a:avLst/>
+          </a:prstGeom>
+          <a:noFill/>
+        </p:spPr>
+        <p:txBody>
+          <a:bodyPr wrap="square" rtlCol="0">
+            <a:spAutoFit/>
+          </a:bodyPr>
+          <a:lstStyle/>
+          <a:p>
+            <a:r>
+              <a:rPr lang="ru-RU" sz="1100" dirty="0">
+                <a:latin typeface="Arial" panose="020B0604020202020204" pitchFamily="34" charset="0"/>
+                <a:cs typeface="Arial" panose="020B0604020202020204" pitchFamily="34" charset="0"/>
+              </a:rPr>
+              <a:t>Определение тональности</a:t>
+            </a:r>
+            <a:endParaRPr lang="LID4096" sz="1100" dirty="0">
+              <a:latin typeface="Arial" panose="020B0604020202020204" pitchFamily="34" charset="0"/>
+              <a:cs typeface="Arial" panose="020B0604020202020204" pitchFamily="34" charset="0"/>
+            </a:endParaRPr>
           </a:p>
         </p:txBody>
       </p:sp>
     </p:spTree>
     <p:extLst>
       <p:ext uri="{BB962C8B-B14F-4D97-AF65-F5344CB8AC3E}">
-        <p14:creationId xmlns:p14="http://schemas.microsoft.com/office/powerpoint/2010/main" val="2557352561"/>
+        <p14:creationId xmlns:p14="http://schemas.microsoft.com/office/powerpoint/2010/main" val="3376903632"/>
       </p:ext>
     </p:extLst>
   </p:cSld>
@@ -12008,7 +12255,7 @@
           <p:cNvPr id="2" name="Title 1">
             <a:extLst>
               <a:ext uri="{FF2B5EF4-FFF2-40B4-BE49-F238E27FC236}">
-                <a16:creationId xmlns:a16="http://schemas.microsoft.com/office/drawing/2014/main" id="{EADA57F4-0869-4202-A3CE-DC40AE80E829}"/>
+                <a16:creationId xmlns:a16="http://schemas.microsoft.com/office/drawing/2014/main" id="{6637240E-3AC0-4421-90F0-83CDBD15D72A}"/>
               </a:ext>
             </a:extLst>
           </p:cNvPr>
@@ -12019,20 +12266,13 @@
             <p:ph type="title"/>
           </p:nvPr>
         </p:nvSpPr>
-        <p:spPr>
-          <a:xfrm>
-            <a:off x="919119" y="2943775"/>
-            <a:ext cx="10353762" cy="970450"/>
-          </a:xfrm>
-        </p:spPr>
-        <p:txBody>
-          <a:bodyPr>
-            <a:noAutofit/>
-          </a:bodyPr>
+        <p:spPr/>
+        <p:txBody>
+          <a:bodyPr/>
           <a:lstStyle/>
           <a:p>
             <a:r>
-              <a:rPr lang="ru-RU" sz="6000" dirty="0">
+              <a:rPr lang="ru-RU" dirty="0">
                 <a:solidFill>
                   <a:schemeClr val="accent6">
                     <a:lumMod val="40000"/>
@@ -12040,9 +12280,9 @@
                   </a:schemeClr>
                 </a:solidFill>
               </a:rPr>
-              <a:t>Спасибо за внимание!</a:t>
-            </a:r>
-            <a:endParaRPr lang="LID4096" sz="6000" dirty="0">
+              <a:t>План дальнейшего развития проекта</a:t>
+            </a:r>
+            <a:endParaRPr lang="LID4096" dirty="0">
               <a:solidFill>
                 <a:schemeClr val="accent6">
                   <a:lumMod val="40000"/>
@@ -12053,10 +12293,60 @@
           </a:p>
         </p:txBody>
       </p:sp>
+      <p:sp>
+        <p:nvSpPr>
+          <p:cNvPr id="3" name="Content Placeholder 2">
+            <a:extLst>
+              <a:ext uri="{FF2B5EF4-FFF2-40B4-BE49-F238E27FC236}">
+                <a16:creationId xmlns:a16="http://schemas.microsoft.com/office/drawing/2014/main" id="{1C5D765F-B244-42D1-866A-95E4EBE579E6}"/>
+              </a:ext>
+            </a:extLst>
+          </p:cNvPr>
+          <p:cNvSpPr>
+            <a:spLocks noGrp="1"/>
+          </p:cNvSpPr>
+          <p:nvPr>
+            <p:ph idx="1"/>
+          </p:nvPr>
+        </p:nvSpPr>
+        <p:spPr/>
+        <p:txBody>
+          <a:bodyPr>
+            <a:normAutofit/>
+          </a:bodyPr>
+          <a:lstStyle/>
+          <a:p>
+            <a:r>
+              <a:rPr lang="ru-RU" sz="2800" dirty="0"/>
+              <a:t>Дописать программу и оптимизировать её</a:t>
+            </a:r>
+          </a:p>
+          <a:p>
+            <a:r>
+              <a:rPr lang="ru-RU" sz="2800" dirty="0"/>
+              <a:t>Улучшить механизм генерации, возможно разработать генетический алгоритм для этой цели</a:t>
+            </a:r>
+          </a:p>
+          <a:p>
+            <a:r>
+              <a:rPr lang="ru-RU" sz="2800" dirty="0"/>
+              <a:t>Добавить новые параметры для более гибкой настройки генерации мелодии</a:t>
+            </a:r>
+            <a:endParaRPr lang="en-US" sz="2800" dirty="0"/>
+          </a:p>
+          <a:p>
+            <a:r>
+              <a:rPr lang="ru-RU" sz="2800" dirty="0"/>
+              <a:t>Сделать удобный и приятный интерфейс</a:t>
+            </a:r>
+            <a:endParaRPr lang="LID4096" sz="2800" dirty="0"/>
+          </a:p>
+        </p:txBody>
+      </p:sp>
     </p:spTree>
     <p:extLst>
       <p:ext uri="{BB962C8B-B14F-4D97-AF65-F5344CB8AC3E}">
-        <p14:creationId xmlns:p14="http://schemas.microsoft.com/office/powerpoint/2010/main" val="649078657"/>
+        <p14:creationId xmlns:p14="http://schemas.microsoft.com/office/powerpoint/2010/main" val="2557352561"/>
       </p:ext>
     </p:extLst>
   </p:cSld>
